--- a/Thuyết trình KTPM_Nhom7.pptx
+++ b/Thuyết trình KTPM_Nhom7.pptx
@@ -1,77 +1,33 @@
 
 <file path=ppt/presentation.xml><?xml version="1.0" encoding="utf-8"?>
-<p:presentation xmlns:a="http://schemas.openxmlformats.org/drawingml/2006/main" xmlns:r="http://schemas.openxmlformats.org/officeDocument/2006/relationships" xmlns:p="http://schemas.openxmlformats.org/presentationml/2006/main" saveSubsetFonts="1" embedTrueTypeFonts="true">
+<p:presentation xmlns:a="http://schemas.openxmlformats.org/drawingml/2006/main" xmlns:r="http://schemas.openxmlformats.org/officeDocument/2006/relationships" xmlns:p="http://schemas.openxmlformats.org/presentationml/2006/main" embedTrueTypeFonts="1" saveSubsetFonts="1">
   <p:sldMasterIdLst>
     <p:sldMasterId id="2147483648" r:id="rId1"/>
   </p:sldMasterIdLst>
   <p:sldIdLst>
-    <p:sldId id="256" r:id="rId19"/>
-    <p:sldId id="257" r:id="rId20"/>
-    <p:sldId id="258" r:id="rId21"/>
-    <p:sldId id="259" r:id="rId22"/>
-    <p:sldId id="260" r:id="rId23"/>
-    <p:sldId id="261" r:id="rId24"/>
-    <p:sldId id="262" r:id="rId25"/>
-    <p:sldId id="263" r:id="rId26"/>
-    <p:sldId id="264" r:id="rId27"/>
-    <p:sldId id="265" r:id="rId28"/>
-    <p:sldId id="266" r:id="rId29"/>
-    <p:sldId id="267" r:id="rId30"/>
+    <p:sldId id="256" r:id="rId2"/>
+    <p:sldId id="257" r:id="rId3"/>
+    <p:sldId id="258" r:id="rId4"/>
+    <p:sldId id="259" r:id="rId5"/>
+    <p:sldId id="260" r:id="rId6"/>
+    <p:sldId id="261" r:id="rId7"/>
+    <p:sldId id="262" r:id="rId8"/>
+    <p:sldId id="263" r:id="rId9"/>
+    <p:sldId id="264" r:id="rId10"/>
+    <p:sldId id="265" r:id="rId11"/>
+    <p:sldId id="266" r:id="rId12"/>
+    <p:sldId id="267" r:id="rId13"/>
   </p:sldIdLst>
   <p:sldSz cx="18288000" cy="10287000"/>
   <p:notesSz cx="6858000" cy="9144000"/>
   <p:embeddedFontLst>
     <p:embeddedFont>
-      <p:font typeface="Arimo" charset="1" panose="020B0604020202020204"/>
-      <p:regular r:id="rId6"/>
-    </p:embeddedFont>
-    <p:embeddedFont>
-      <p:font typeface="Arimo Bold" charset="1" panose="020B0704020202020204"/>
-      <p:regular r:id="rId7"/>
-    </p:embeddedFont>
-    <p:embeddedFont>
-      <p:font typeface="Arimo Italics" charset="1" panose="020B0604020202090204"/>
-      <p:regular r:id="rId8"/>
-    </p:embeddedFont>
-    <p:embeddedFont>
-      <p:font typeface="Arimo Bold Italics" charset="1" panose="020B0704020202090204"/>
-      <p:regular r:id="rId9"/>
-    </p:embeddedFont>
-    <p:embeddedFont>
-      <p:font typeface="Noto Sans" charset="1" panose="020B0502040504020204"/>
-      <p:regular r:id="rId10"/>
-    </p:embeddedFont>
-    <p:embeddedFont>
-      <p:font typeface="Noto Sans Bold" charset="1" panose="020B0802040504020204"/>
-      <p:regular r:id="rId11"/>
-    </p:embeddedFont>
-    <p:embeddedFont>
-      <p:font typeface="Noto Sans Italics" charset="1" panose="020B0502040504090204"/>
-      <p:regular r:id="rId12"/>
-    </p:embeddedFont>
-    <p:embeddedFont>
-      <p:font typeface="Noto Sans Bold Italics" charset="1" panose="020B0802040504090204"/>
-      <p:regular r:id="rId13"/>
-    </p:embeddedFont>
-    <p:embeddedFont>
-      <p:font typeface="Quicksand" charset="1" panose="00000000000000000000"/>
+      <p:font typeface="Noto Sans" panose="020B0502040504020204" pitchFamily="34" charset="0"/>
       <p:regular r:id="rId14"/>
     </p:embeddedFont>
     <p:embeddedFont>
-      <p:font typeface="Quicksand Bold" charset="1" panose="00000000000000000000"/>
+      <p:font typeface="Quicksand Bold" panose="020B0604020202020204" charset="0"/>
       <p:regular r:id="rId15"/>
-    </p:embeddedFont>
-    <p:embeddedFont>
-      <p:font typeface="Quicksand Light" charset="1" panose="00000000000000000000"/>
-      <p:regular r:id="rId16"/>
-    </p:embeddedFont>
-    <p:embeddedFont>
-      <p:font typeface="Quicksand Medium" charset="1" panose="00000000000000000000"/>
-      <p:regular r:id="rId17"/>
-    </p:embeddedFont>
-    <p:embeddedFont>
-      <p:font typeface="Quicksand Semi-Bold" charset="1" panose="00000000000000000000"/>
-      <p:regular r:id="rId18"/>
     </p:embeddedFont>
   </p:embeddedFontLst>
   <p:defaultTextStyle>
@@ -169,6 +125,22 @@
       </a:defRPr>
     </a:lvl9pPr>
   </p:defaultTextStyle>
+  <p:extLst>
+    <p:ext uri="{EFAFB233-063F-42B5-8137-9DF3F51BA10A}">
+      <p15:sldGuideLst xmlns:p15="http://schemas.microsoft.com/office/powerpoint/2012/main">
+        <p15:guide id="1" orient="horz" pos="2160">
+          <p15:clr>
+            <a:srgbClr val="A4A3A4"/>
+          </p15:clr>
+        </p15:guide>
+        <p15:guide id="2" pos="2880">
+          <p15:clr>
+            <a:srgbClr val="A4A3A4"/>
+          </p15:clr>
+        </p15:guide>
+      </p15:sldGuideLst>
+    </p:ext>
+  </p:extLst>
 </p:presentation>
 </file>
 
@@ -210,10 +182,9 @@
           <a:lstStyle/>
           <a:p>
             <a:r>
-              <a:rPr lang="en-US" smtClean="0"/>
+              <a:rPr lang="en-US"/>
               <a:t>Click to edit Master title style</a:t>
             </a:r>
-            <a:endParaRPr lang="en-US"/>
           </a:p>
         </p:txBody>
       </p:sp>
@@ -329,10 +300,9 @@
           </a:lstStyle>
           <a:p>
             <a:r>
-              <a:rPr lang="en-US" smtClean="0"/>
+              <a:rPr lang="en-US"/>
               <a:t>Click to edit Master subtitle style</a:t>
             </a:r>
-            <a:endParaRPr lang="en-US"/>
           </a:p>
         </p:txBody>
       </p:sp>
@@ -354,7 +324,7 @@
             <a:fld id="{1D8BD707-D9CF-40AE-B4C6-C98DA3205C09}" type="datetimeFigureOut">
               <a:rPr lang="en-US" smtClean="0"/>
               <a:pPr/>
-              <a:t>8/1/2011</a:t>
+              <a:t>5/31/2024</a:t>
             </a:fld>
             <a:endParaRPr lang="en-US"/>
           </a:p>
@@ -444,10 +414,9 @@
           <a:lstStyle/>
           <a:p>
             <a:r>
-              <a:rPr lang="en-US" smtClean="0"/>
+              <a:rPr lang="en-US"/>
               <a:t>Click to edit Master title style</a:t>
             </a:r>
-            <a:endParaRPr lang="en-US"/>
           </a:p>
         </p:txBody>
       </p:sp>
@@ -468,38 +437,37 @@
           <a:p>
             <a:pPr lvl="0"/>
             <a:r>
-              <a:rPr lang="en-US" smtClean="0"/>
+              <a:rPr lang="en-US"/>
               <a:t>Click to edit Master text styles</a:t>
             </a:r>
           </a:p>
           <a:p>
             <a:pPr lvl="1"/>
             <a:r>
-              <a:rPr lang="en-US" smtClean="0"/>
+              <a:rPr lang="en-US"/>
               <a:t>Second level</a:t>
             </a:r>
           </a:p>
           <a:p>
             <a:pPr lvl="2"/>
             <a:r>
-              <a:rPr lang="en-US" smtClean="0"/>
+              <a:rPr lang="en-US"/>
               <a:t>Third level</a:t>
             </a:r>
           </a:p>
           <a:p>
             <a:pPr lvl="3"/>
             <a:r>
-              <a:rPr lang="en-US" smtClean="0"/>
+              <a:rPr lang="en-US"/>
               <a:t>Fourth level</a:t>
             </a:r>
           </a:p>
           <a:p>
             <a:pPr lvl="4"/>
             <a:r>
-              <a:rPr lang="en-US" smtClean="0"/>
+              <a:rPr lang="en-US"/>
               <a:t>Fifth level</a:t>
             </a:r>
-            <a:endParaRPr lang="en-US"/>
           </a:p>
         </p:txBody>
       </p:sp>
@@ -521,7 +489,7 @@
             <a:fld id="{1D8BD707-D9CF-40AE-B4C6-C98DA3205C09}" type="datetimeFigureOut">
               <a:rPr lang="en-US" smtClean="0"/>
               <a:pPr/>
-              <a:t>8/1/2011</a:t>
+              <a:t>5/31/2024</a:t>
             </a:fld>
             <a:endParaRPr lang="en-US"/>
           </a:p>
@@ -616,10 +584,9 @@
           <a:lstStyle/>
           <a:p>
             <a:r>
-              <a:rPr lang="en-US" smtClean="0"/>
+              <a:rPr lang="en-US"/>
               <a:t>Click to edit Master title style</a:t>
             </a:r>
-            <a:endParaRPr lang="en-US"/>
           </a:p>
         </p:txBody>
       </p:sp>
@@ -645,38 +612,37 @@
           <a:p>
             <a:pPr lvl="0"/>
             <a:r>
-              <a:rPr lang="en-US" smtClean="0"/>
+              <a:rPr lang="en-US"/>
               <a:t>Click to edit Master text styles</a:t>
             </a:r>
           </a:p>
           <a:p>
             <a:pPr lvl="1"/>
             <a:r>
-              <a:rPr lang="en-US" smtClean="0"/>
+              <a:rPr lang="en-US"/>
               <a:t>Second level</a:t>
             </a:r>
           </a:p>
           <a:p>
             <a:pPr lvl="2"/>
             <a:r>
-              <a:rPr lang="en-US" smtClean="0"/>
+              <a:rPr lang="en-US"/>
               <a:t>Third level</a:t>
             </a:r>
           </a:p>
           <a:p>
             <a:pPr lvl="3"/>
             <a:r>
-              <a:rPr lang="en-US" smtClean="0"/>
+              <a:rPr lang="en-US"/>
               <a:t>Fourth level</a:t>
             </a:r>
           </a:p>
           <a:p>
             <a:pPr lvl="4"/>
             <a:r>
-              <a:rPr lang="en-US" smtClean="0"/>
+              <a:rPr lang="en-US"/>
               <a:t>Fifth level</a:t>
             </a:r>
-            <a:endParaRPr lang="en-US"/>
           </a:p>
         </p:txBody>
       </p:sp>
@@ -698,7 +664,7 @@
             <a:fld id="{1D8BD707-D9CF-40AE-B4C6-C98DA3205C09}" type="datetimeFigureOut">
               <a:rPr lang="en-US" smtClean="0"/>
               <a:pPr/>
-              <a:t>8/1/2011</a:t>
+              <a:t>5/31/2024</a:t>
             </a:fld>
             <a:endParaRPr lang="en-US"/>
           </a:p>
@@ -788,10 +754,9 @@
           <a:lstStyle/>
           <a:p>
             <a:r>
-              <a:rPr lang="en-US" smtClean="0"/>
+              <a:rPr lang="en-US"/>
               <a:t>Click to edit Master title style</a:t>
             </a:r>
-            <a:endParaRPr lang="en-US"/>
           </a:p>
         </p:txBody>
       </p:sp>
@@ -812,38 +777,37 @@
           <a:p>
             <a:pPr lvl="0"/>
             <a:r>
-              <a:rPr lang="en-US" smtClean="0"/>
+              <a:rPr lang="en-US"/>
               <a:t>Click to edit Master text styles</a:t>
             </a:r>
           </a:p>
           <a:p>
             <a:pPr lvl="1"/>
             <a:r>
-              <a:rPr lang="en-US" smtClean="0"/>
+              <a:rPr lang="en-US"/>
               <a:t>Second level</a:t>
             </a:r>
           </a:p>
           <a:p>
             <a:pPr lvl="2"/>
             <a:r>
-              <a:rPr lang="en-US" smtClean="0"/>
+              <a:rPr lang="en-US"/>
               <a:t>Third level</a:t>
             </a:r>
           </a:p>
           <a:p>
             <a:pPr lvl="3"/>
             <a:r>
-              <a:rPr lang="en-US" smtClean="0"/>
+              <a:rPr lang="en-US"/>
               <a:t>Fourth level</a:t>
             </a:r>
           </a:p>
           <a:p>
             <a:pPr lvl="4"/>
             <a:r>
-              <a:rPr lang="en-US" smtClean="0"/>
+              <a:rPr lang="en-US"/>
               <a:t>Fifth level</a:t>
             </a:r>
-            <a:endParaRPr lang="en-US"/>
           </a:p>
         </p:txBody>
       </p:sp>
@@ -865,7 +829,7 @@
             <a:fld id="{1D8BD707-D9CF-40AE-B4C6-C98DA3205C09}" type="datetimeFigureOut">
               <a:rPr lang="en-US" smtClean="0"/>
               <a:pPr/>
-              <a:t>8/1/2011</a:t>
+              <a:t>5/31/2024</a:t>
             </a:fld>
             <a:endParaRPr lang="en-US"/>
           </a:p>
@@ -964,10 +928,9 @@
           </a:lstStyle>
           <a:p>
             <a:r>
-              <a:rPr lang="en-US" smtClean="0"/>
+              <a:rPr lang="en-US"/>
               <a:t>Click to edit Master title style</a:t>
             </a:r>
-            <a:endParaRPr lang="en-US"/>
           </a:p>
         </p:txBody>
       </p:sp>
@@ -1084,7 +1047,7 @@
           <a:p>
             <a:pPr lvl="0"/>
             <a:r>
-              <a:rPr lang="en-US" smtClean="0"/>
+              <a:rPr lang="en-US"/>
               <a:t>Click to edit Master text styles</a:t>
             </a:r>
           </a:p>
@@ -1108,7 +1071,7 @@
             <a:fld id="{1D8BD707-D9CF-40AE-B4C6-C98DA3205C09}" type="datetimeFigureOut">
               <a:rPr lang="en-US" smtClean="0"/>
               <a:pPr/>
-              <a:t>8/1/2011</a:t>
+              <a:t>5/31/2024</a:t>
             </a:fld>
             <a:endParaRPr lang="en-US"/>
           </a:p>
@@ -1198,10 +1161,9 @@
           <a:lstStyle/>
           <a:p>
             <a:r>
-              <a:rPr lang="en-US" smtClean="0"/>
+              <a:rPr lang="en-US"/>
               <a:t>Click to edit Master title style</a:t>
             </a:r>
-            <a:endParaRPr lang="en-US"/>
           </a:p>
         </p:txBody>
       </p:sp>
@@ -1255,38 +1217,37 @@
           <a:p>
             <a:pPr lvl="0"/>
             <a:r>
-              <a:rPr lang="en-US" smtClean="0"/>
+              <a:rPr lang="en-US"/>
               <a:t>Click to edit Master text styles</a:t>
             </a:r>
           </a:p>
           <a:p>
             <a:pPr lvl="1"/>
             <a:r>
-              <a:rPr lang="en-US" smtClean="0"/>
+              <a:rPr lang="en-US"/>
               <a:t>Second level</a:t>
             </a:r>
           </a:p>
           <a:p>
             <a:pPr lvl="2"/>
             <a:r>
-              <a:rPr lang="en-US" smtClean="0"/>
+              <a:rPr lang="en-US"/>
               <a:t>Third level</a:t>
             </a:r>
           </a:p>
           <a:p>
             <a:pPr lvl="3"/>
             <a:r>
-              <a:rPr lang="en-US" smtClean="0"/>
+              <a:rPr lang="en-US"/>
               <a:t>Fourth level</a:t>
             </a:r>
           </a:p>
           <a:p>
             <a:pPr lvl="4"/>
             <a:r>
-              <a:rPr lang="en-US" smtClean="0"/>
+              <a:rPr lang="en-US"/>
               <a:t>Fifth level</a:t>
             </a:r>
-            <a:endParaRPr lang="en-US"/>
           </a:p>
         </p:txBody>
       </p:sp>
@@ -1340,38 +1301,37 @@
           <a:p>
             <a:pPr lvl="0"/>
             <a:r>
-              <a:rPr lang="en-US" smtClean="0"/>
+              <a:rPr lang="en-US"/>
               <a:t>Click to edit Master text styles</a:t>
             </a:r>
           </a:p>
           <a:p>
             <a:pPr lvl="1"/>
             <a:r>
-              <a:rPr lang="en-US" smtClean="0"/>
+              <a:rPr lang="en-US"/>
               <a:t>Second level</a:t>
             </a:r>
           </a:p>
           <a:p>
             <a:pPr lvl="2"/>
             <a:r>
-              <a:rPr lang="en-US" smtClean="0"/>
+              <a:rPr lang="en-US"/>
               <a:t>Third level</a:t>
             </a:r>
           </a:p>
           <a:p>
             <a:pPr lvl="3"/>
             <a:r>
-              <a:rPr lang="en-US" smtClean="0"/>
+              <a:rPr lang="en-US"/>
               <a:t>Fourth level</a:t>
             </a:r>
           </a:p>
           <a:p>
             <a:pPr lvl="4"/>
             <a:r>
-              <a:rPr lang="en-US" smtClean="0"/>
+              <a:rPr lang="en-US"/>
               <a:t>Fifth level</a:t>
             </a:r>
-            <a:endParaRPr lang="en-US"/>
           </a:p>
         </p:txBody>
       </p:sp>
@@ -1393,7 +1353,7 @@
             <a:fld id="{1D8BD707-D9CF-40AE-B4C6-C98DA3205C09}" type="datetimeFigureOut">
               <a:rPr lang="en-US" smtClean="0"/>
               <a:pPr/>
-              <a:t>8/1/2011</a:t>
+              <a:t>5/31/2024</a:t>
             </a:fld>
             <a:endParaRPr lang="en-US"/>
           </a:p>
@@ -1487,10 +1447,9 @@
           </a:lstStyle>
           <a:p>
             <a:r>
-              <a:rPr lang="en-US" smtClean="0"/>
+              <a:rPr lang="en-US"/>
               <a:t>Click to edit Master title style</a:t>
             </a:r>
-            <a:endParaRPr lang="en-US"/>
           </a:p>
         </p:txBody>
       </p:sp>
@@ -1553,7 +1512,7 @@
           <a:p>
             <a:pPr lvl="0"/>
             <a:r>
-              <a:rPr lang="en-US" smtClean="0"/>
+              <a:rPr lang="en-US"/>
               <a:t>Click to edit Master text styles</a:t>
             </a:r>
           </a:p>
@@ -1609,38 +1568,37 @@
           <a:p>
             <a:pPr lvl="0"/>
             <a:r>
-              <a:rPr lang="en-US" smtClean="0"/>
+              <a:rPr lang="en-US"/>
               <a:t>Click to edit Master text styles</a:t>
             </a:r>
           </a:p>
           <a:p>
             <a:pPr lvl="1"/>
             <a:r>
-              <a:rPr lang="en-US" smtClean="0"/>
+              <a:rPr lang="en-US"/>
               <a:t>Second level</a:t>
             </a:r>
           </a:p>
           <a:p>
             <a:pPr lvl="2"/>
             <a:r>
-              <a:rPr lang="en-US" smtClean="0"/>
+              <a:rPr lang="en-US"/>
               <a:t>Third level</a:t>
             </a:r>
           </a:p>
           <a:p>
             <a:pPr lvl="3"/>
             <a:r>
-              <a:rPr lang="en-US" smtClean="0"/>
+              <a:rPr lang="en-US"/>
               <a:t>Fourth level</a:t>
             </a:r>
           </a:p>
           <a:p>
             <a:pPr lvl="4"/>
             <a:r>
-              <a:rPr lang="en-US" smtClean="0"/>
+              <a:rPr lang="en-US"/>
               <a:t>Fifth level</a:t>
             </a:r>
-            <a:endParaRPr lang="en-US"/>
           </a:p>
         </p:txBody>
       </p:sp>
@@ -1703,7 +1661,7 @@
           <a:p>
             <a:pPr lvl="0"/>
             <a:r>
-              <a:rPr lang="en-US" smtClean="0"/>
+              <a:rPr lang="en-US"/>
               <a:t>Click to edit Master text styles</a:t>
             </a:r>
           </a:p>
@@ -1759,38 +1717,37 @@
           <a:p>
             <a:pPr lvl="0"/>
             <a:r>
-              <a:rPr lang="en-US" smtClean="0"/>
+              <a:rPr lang="en-US"/>
               <a:t>Click to edit Master text styles</a:t>
             </a:r>
           </a:p>
           <a:p>
             <a:pPr lvl="1"/>
             <a:r>
-              <a:rPr lang="en-US" smtClean="0"/>
+              <a:rPr lang="en-US"/>
               <a:t>Second level</a:t>
             </a:r>
           </a:p>
           <a:p>
             <a:pPr lvl="2"/>
             <a:r>
-              <a:rPr lang="en-US" smtClean="0"/>
+              <a:rPr lang="en-US"/>
               <a:t>Third level</a:t>
             </a:r>
           </a:p>
           <a:p>
             <a:pPr lvl="3"/>
             <a:r>
-              <a:rPr lang="en-US" smtClean="0"/>
+              <a:rPr lang="en-US"/>
               <a:t>Fourth level</a:t>
             </a:r>
           </a:p>
           <a:p>
             <a:pPr lvl="4"/>
             <a:r>
-              <a:rPr lang="en-US" smtClean="0"/>
+              <a:rPr lang="en-US"/>
               <a:t>Fifth level</a:t>
             </a:r>
-            <a:endParaRPr lang="en-US"/>
           </a:p>
         </p:txBody>
       </p:sp>
@@ -1812,7 +1769,7 @@
             <a:fld id="{1D8BD707-D9CF-40AE-B4C6-C98DA3205C09}" type="datetimeFigureOut">
               <a:rPr lang="en-US" smtClean="0"/>
               <a:pPr/>
-              <a:t>8/1/2011</a:t>
+              <a:t>5/31/2024</a:t>
             </a:fld>
             <a:endParaRPr lang="en-US"/>
           </a:p>
@@ -1902,10 +1859,9 @@
           <a:lstStyle/>
           <a:p>
             <a:r>
-              <a:rPr lang="en-US" smtClean="0"/>
+              <a:rPr lang="en-US"/>
               <a:t>Click to edit Master title style</a:t>
             </a:r>
-            <a:endParaRPr lang="en-US"/>
           </a:p>
         </p:txBody>
       </p:sp>
@@ -1927,7 +1883,7 @@
             <a:fld id="{1D8BD707-D9CF-40AE-B4C6-C98DA3205C09}" type="datetimeFigureOut">
               <a:rPr lang="en-US" smtClean="0"/>
               <a:pPr/>
-              <a:t>8/1/2011</a:t>
+              <a:t>5/31/2024</a:t>
             </a:fld>
             <a:endParaRPr lang="en-US"/>
           </a:p>
@@ -2019,7 +1975,7 @@
             <a:fld id="{1D8BD707-D9CF-40AE-B4C6-C98DA3205C09}" type="datetimeFigureOut">
               <a:rPr lang="en-US" smtClean="0"/>
               <a:pPr/>
-              <a:t>8/1/2011</a:t>
+              <a:t>5/31/2024</a:t>
             </a:fld>
             <a:endParaRPr lang="en-US"/>
           </a:p>
@@ -2118,10 +2074,9 @@
           </a:lstStyle>
           <a:p>
             <a:r>
-              <a:rPr lang="en-US" smtClean="0"/>
+              <a:rPr lang="en-US"/>
               <a:t>Click to edit Master title style</a:t>
             </a:r>
-            <a:endParaRPr lang="en-US"/>
           </a:p>
         </p:txBody>
       </p:sp>
@@ -2175,38 +2130,37 @@
           <a:p>
             <a:pPr lvl="0"/>
             <a:r>
-              <a:rPr lang="en-US" smtClean="0"/>
+              <a:rPr lang="en-US"/>
               <a:t>Click to edit Master text styles</a:t>
             </a:r>
           </a:p>
           <a:p>
             <a:pPr lvl="1"/>
             <a:r>
-              <a:rPr lang="en-US" smtClean="0"/>
+              <a:rPr lang="en-US"/>
               <a:t>Second level</a:t>
             </a:r>
           </a:p>
           <a:p>
             <a:pPr lvl="2"/>
             <a:r>
-              <a:rPr lang="en-US" smtClean="0"/>
+              <a:rPr lang="en-US"/>
               <a:t>Third level</a:t>
             </a:r>
           </a:p>
           <a:p>
             <a:pPr lvl="3"/>
             <a:r>
-              <a:rPr lang="en-US" smtClean="0"/>
+              <a:rPr lang="en-US"/>
               <a:t>Fourth level</a:t>
             </a:r>
           </a:p>
           <a:p>
             <a:pPr lvl="4"/>
             <a:r>
-              <a:rPr lang="en-US" smtClean="0"/>
+              <a:rPr lang="en-US"/>
               <a:t>Fifth level</a:t>
             </a:r>
-            <a:endParaRPr lang="en-US"/>
           </a:p>
         </p:txBody>
       </p:sp>
@@ -2269,7 +2223,7 @@
           <a:p>
             <a:pPr lvl="0"/>
             <a:r>
-              <a:rPr lang="en-US" smtClean="0"/>
+              <a:rPr lang="en-US"/>
               <a:t>Click to edit Master text styles</a:t>
             </a:r>
           </a:p>
@@ -2293,7 +2247,7 @@
             <a:fld id="{1D8BD707-D9CF-40AE-B4C6-C98DA3205C09}" type="datetimeFigureOut">
               <a:rPr lang="en-US" smtClean="0"/>
               <a:pPr/>
-              <a:t>8/1/2011</a:t>
+              <a:t>5/31/2024</a:t>
             </a:fld>
             <a:endParaRPr lang="en-US"/>
           </a:p>
@@ -2392,10 +2346,9 @@
           </a:lstStyle>
           <a:p>
             <a:r>
-              <a:rPr lang="en-US" smtClean="0"/>
+              <a:rPr lang="en-US"/>
               <a:t>Click to edit Master title style</a:t>
             </a:r>
-            <a:endParaRPr lang="en-US"/>
           </a:p>
         </p:txBody>
       </p:sp>
@@ -2519,7 +2472,7 @@
           <a:p>
             <a:pPr lvl="0"/>
             <a:r>
-              <a:rPr lang="en-US" smtClean="0"/>
+              <a:rPr lang="en-US"/>
               <a:t>Click to edit Master text styles</a:t>
             </a:r>
           </a:p>
@@ -2543,7 +2496,7 @@
             <a:fld id="{1D8BD707-D9CF-40AE-B4C6-C98DA3205C09}" type="datetimeFigureOut">
               <a:rPr lang="en-US" smtClean="0"/>
               <a:pPr/>
-              <a:t>8/1/2011</a:t>
+              <a:t>5/31/2024</a:t>
             </a:fld>
             <a:endParaRPr lang="en-US"/>
           </a:p>
@@ -2648,10 +2601,9 @@
           <a:lstStyle/>
           <a:p>
             <a:r>
-              <a:rPr lang="en-US" smtClean="0"/>
+              <a:rPr lang="en-US"/>
               <a:t>Click to edit Master title style</a:t>
             </a:r>
-            <a:endParaRPr lang="en-US"/>
           </a:p>
         </p:txBody>
       </p:sp>
@@ -2682,38 +2634,37 @@
           <a:p>
             <a:pPr lvl="0"/>
             <a:r>
-              <a:rPr lang="en-US" smtClean="0"/>
+              <a:rPr lang="en-US"/>
               <a:t>Click to edit Master text styles</a:t>
             </a:r>
           </a:p>
           <a:p>
             <a:pPr lvl="1"/>
             <a:r>
-              <a:rPr lang="en-US" smtClean="0"/>
+              <a:rPr lang="en-US"/>
               <a:t>Second level</a:t>
             </a:r>
           </a:p>
           <a:p>
             <a:pPr lvl="2"/>
             <a:r>
-              <a:rPr lang="en-US" smtClean="0"/>
+              <a:rPr lang="en-US"/>
               <a:t>Third level</a:t>
             </a:r>
           </a:p>
           <a:p>
             <a:pPr lvl="3"/>
             <a:r>
-              <a:rPr lang="en-US" smtClean="0"/>
+              <a:rPr lang="en-US"/>
               <a:t>Fourth level</a:t>
             </a:r>
           </a:p>
           <a:p>
             <a:pPr lvl="4"/>
             <a:r>
-              <a:rPr lang="en-US" smtClean="0"/>
+              <a:rPr lang="en-US"/>
               <a:t>Fifth level</a:t>
             </a:r>
-            <a:endParaRPr lang="en-US"/>
           </a:p>
         </p:txBody>
       </p:sp>
@@ -2753,7 +2704,7 @@
             <a:fld id="{1D8BD707-D9CF-40AE-B4C6-C98DA3205C09}" type="datetimeFigureOut">
               <a:rPr lang="en-US" smtClean="0"/>
               <a:pPr/>
-              <a:t>8/1/2011</a:t>
+              <a:t>5/31/2024</a:t>
             </a:fld>
             <a:endParaRPr lang="en-US"/>
           </a:p>
@@ -3108,7 +3059,7 @@
 </file>
 
 <file path=ppt/slides/slide1.xml><?xml version="1.0" encoding="utf-8"?>
-<p:sld xmlns:p="http://schemas.openxmlformats.org/presentationml/2006/main" xmlns:a="http://schemas.openxmlformats.org/drawingml/2006/main" xmlns:r="http://schemas.openxmlformats.org/officeDocument/2006/relationships">
+<p:sld xmlns:a="http://schemas.openxmlformats.org/drawingml/2006/main" xmlns:r="http://schemas.openxmlformats.org/officeDocument/2006/relationships" xmlns:p="http://schemas.openxmlformats.org/presentationml/2006/main">
   <p:cSld>
     <p:spTree>
       <p:nvGrpSpPr>
@@ -3126,12 +3077,12 @@
       </p:grpSpPr>
       <p:sp>
         <p:nvSpPr>
-          <p:cNvPr name="Freeform 2" id="2"/>
+          <p:cNvPr id="2" name="Freeform 2"/>
           <p:cNvSpPr/>
           <p:nvPr/>
         </p:nvSpPr>
         <p:spPr>
-          <a:xfrm flipH="false" flipV="false" rot="0">
+          <a:xfrm>
             <a:off x="0" y="0"/>
             <a:ext cx="18288000" cy="10287000"/>
           </a:xfrm>
@@ -3140,9 +3091,9 @@
             <a:gdLst/>
             <a:ahLst/>
             <a:cxnLst/>
-            <a:rect r="r" b="b" t="t" l="l"/>
+            <a:rect l="l" t="t" r="r" b="b"/>
             <a:pathLst>
-              <a:path h="10287000" w="18288000">
+              <a:path w="18288000" h="10287000">
                 <a:moveTo>
                   <a:pt x="0" y="0"/>
                 </a:moveTo>
@@ -3172,12 +3123,12 @@
       </p:sp>
       <p:sp>
         <p:nvSpPr>
-          <p:cNvPr name="TextBox 3" id="3"/>
-          <p:cNvSpPr txBox="true"/>
+          <p:cNvPr id="3" name="TextBox 3"/>
+          <p:cNvSpPr txBox="1"/>
           <p:nvPr/>
         </p:nvSpPr>
         <p:spPr>
-          <a:xfrm rot="0">
+          <a:xfrm>
             <a:off x="3208055" y="1525247"/>
             <a:ext cx="11871890" cy="948731"/>
           </a:xfrm>
@@ -3186,7 +3137,7 @@
           </a:prstGeom>
         </p:spPr>
         <p:txBody>
-          <a:bodyPr anchor="t" rtlCol="false" tIns="0" lIns="0" bIns="0" rIns="0">
+          <a:bodyPr lIns="0" tIns="0" rIns="0" bIns="0" rtlCol="0" anchor="t">
             <a:spAutoFit/>
           </a:bodyPr>
           <a:lstStyle/>
@@ -3210,12 +3161,12 @@
       </p:sp>
       <p:sp>
         <p:nvSpPr>
-          <p:cNvPr name="TextBox 4" id="4"/>
-          <p:cNvSpPr txBox="true"/>
+          <p:cNvPr id="4" name="TextBox 4"/>
+          <p:cNvSpPr txBox="1"/>
           <p:nvPr/>
         </p:nvSpPr>
         <p:spPr>
-          <a:xfrm rot="0">
+          <a:xfrm>
             <a:off x="2943091" y="8240878"/>
             <a:ext cx="11737445" cy="863600"/>
           </a:xfrm>
@@ -3224,7 +3175,7 @@
           </a:prstGeom>
         </p:spPr>
         <p:txBody>
-          <a:bodyPr anchor="t" rtlCol="false" tIns="0" lIns="0" bIns="0" rIns="0">
+          <a:bodyPr lIns="0" tIns="0" rIns="0" bIns="0" rtlCol="0" anchor="t">
             <a:spAutoFit/>
           </a:bodyPr>
           <a:lstStyle/>
@@ -3248,12 +3199,12 @@
       </p:sp>
       <p:sp>
         <p:nvSpPr>
-          <p:cNvPr name="TextBox 5" id="5"/>
-          <p:cNvSpPr txBox="true"/>
+          <p:cNvPr id="5" name="TextBox 5"/>
+          <p:cNvSpPr txBox="1"/>
           <p:nvPr/>
         </p:nvSpPr>
         <p:spPr>
-          <a:xfrm rot="0">
+          <a:xfrm>
             <a:off x="2125408" y="3264553"/>
             <a:ext cx="13372811" cy="2493475"/>
           </a:xfrm>
@@ -3262,7 +3213,7 @@
           </a:prstGeom>
         </p:spPr>
         <p:txBody>
-          <a:bodyPr anchor="t" rtlCol="false" tIns="0" lIns="0" bIns="0" rIns="0">
+          <a:bodyPr lIns="0" tIns="0" rIns="0" bIns="0" rtlCol="0" anchor="t">
             <a:spAutoFit/>
           </a:bodyPr>
           <a:lstStyle/>
@@ -3289,12 +3240,12 @@
       </p:sp>
       <p:sp>
         <p:nvSpPr>
-          <p:cNvPr name="TextBox 6" id="6"/>
-          <p:cNvSpPr txBox="true"/>
+          <p:cNvPr id="6" name="TextBox 6"/>
+          <p:cNvSpPr txBox="1"/>
           <p:nvPr/>
         </p:nvSpPr>
         <p:spPr>
-          <a:xfrm rot="0">
+          <a:xfrm>
             <a:off x="1028700" y="6567653"/>
             <a:ext cx="16199632" cy="863600"/>
           </a:xfrm>
@@ -3303,7 +3254,7 @@
           </a:prstGeom>
         </p:spPr>
         <p:txBody>
-          <a:bodyPr anchor="t" rtlCol="false" tIns="0" lIns="0" bIns="0" rIns="0">
+          <a:bodyPr lIns="0" tIns="0" rIns="0" bIns="0" rtlCol="0" anchor="t">
             <a:spAutoFit/>
           </a:bodyPr>
           <a:lstStyle/>
@@ -3334,7 +3285,7 @@
 </file>
 
 <file path=ppt/slides/slide10.xml><?xml version="1.0" encoding="utf-8"?>
-<p:sld xmlns:p="http://schemas.openxmlformats.org/presentationml/2006/main" xmlns:a="http://schemas.openxmlformats.org/drawingml/2006/main" xmlns:r="http://schemas.openxmlformats.org/officeDocument/2006/relationships">
+<p:sld xmlns:a="http://schemas.openxmlformats.org/drawingml/2006/main" xmlns:r="http://schemas.openxmlformats.org/officeDocument/2006/relationships" xmlns:p="http://schemas.openxmlformats.org/presentationml/2006/main">
   <p:cSld>
     <p:spTree>
       <p:nvGrpSpPr>
@@ -3352,12 +3303,12 @@
       </p:grpSpPr>
       <p:sp>
         <p:nvSpPr>
-          <p:cNvPr name="Freeform 2" id="2"/>
+          <p:cNvPr id="2" name="Freeform 2"/>
           <p:cNvSpPr/>
           <p:nvPr/>
         </p:nvSpPr>
         <p:spPr>
-          <a:xfrm flipH="false" flipV="false" rot="0">
+          <a:xfrm>
             <a:off x="0" y="0"/>
             <a:ext cx="18288000" cy="10287000"/>
           </a:xfrm>
@@ -3366,9 +3317,9 @@
             <a:gdLst/>
             <a:ahLst/>
             <a:cxnLst/>
-            <a:rect r="r" b="b" t="t" l="l"/>
+            <a:rect l="l" t="t" r="r" b="b"/>
             <a:pathLst>
-              <a:path h="10287000" w="18288000">
+              <a:path w="18288000" h="10287000">
                 <a:moveTo>
                   <a:pt x="0" y="0"/>
                 </a:moveTo>
@@ -3398,12 +3349,12 @@
       </p:sp>
       <p:sp>
         <p:nvSpPr>
-          <p:cNvPr name="TextBox 3" id="3"/>
-          <p:cNvSpPr txBox="true"/>
+          <p:cNvPr id="3" name="TextBox 3"/>
+          <p:cNvSpPr txBox="1"/>
           <p:nvPr/>
         </p:nvSpPr>
         <p:spPr>
-          <a:xfrm rot="0">
+          <a:xfrm>
             <a:off x="249402" y="660888"/>
             <a:ext cx="17655217" cy="1193800"/>
           </a:xfrm>
@@ -3412,7 +3363,7 @@
           </a:prstGeom>
         </p:spPr>
         <p:txBody>
-          <a:bodyPr anchor="t" rtlCol="false" tIns="0" lIns="0" bIns="0" rIns="0">
+          <a:bodyPr lIns="0" tIns="0" rIns="0" bIns="0" rtlCol="0" anchor="t">
             <a:spAutoFit/>
           </a:bodyPr>
           <a:lstStyle/>
@@ -3436,12 +3387,12 @@
       </p:sp>
       <p:grpSp>
         <p:nvGrpSpPr>
-          <p:cNvPr name="Group 4" id="4"/>
+          <p:cNvPr id="4" name="Group 4"/>
           <p:cNvGrpSpPr/>
           <p:nvPr/>
         </p:nvGrpSpPr>
         <p:grpSpPr>
-          <a:xfrm rot="0">
+          <a:xfrm>
             <a:off x="1970495" y="2177521"/>
             <a:ext cx="14213031" cy="7214757"/>
             <a:chOff x="0" y="0"/>
@@ -3450,12 +3401,12 @@
         </p:grpSpPr>
         <p:sp>
           <p:nvSpPr>
-            <p:cNvPr name="Freeform 5" id="5"/>
+            <p:cNvPr id="5" name="Freeform 5"/>
             <p:cNvSpPr/>
             <p:nvPr/>
           </p:nvSpPr>
           <p:spPr>
-            <a:xfrm flipH="false" flipV="false" rot="0">
+            <a:xfrm>
               <a:off x="0" y="0"/>
               <a:ext cx="3339493" cy="1695179"/>
             </a:xfrm>
@@ -3464,9 +3415,9 @@
               <a:gdLst/>
               <a:ahLst/>
               <a:cxnLst/>
-              <a:rect r="r" b="b" t="t" l="l"/>
+              <a:rect l="l" t="t" r="r" b="b"/>
               <a:pathLst>
-                <a:path h="1695179" w="3339493">
+                <a:path w="3339493" h="1695179">
                   <a:moveTo>
                     <a:pt x="27780" y="0"/>
                   </a:moveTo>
@@ -3540,8 +3491,8 @@
         </p:sp>
         <p:sp>
           <p:nvSpPr>
-            <p:cNvPr name="TextBox 6" id="6"/>
-            <p:cNvSpPr txBox="true"/>
+            <p:cNvPr id="6" name="TextBox 6"/>
+            <p:cNvSpPr txBox="1"/>
             <p:nvPr/>
           </p:nvSpPr>
           <p:spPr>
@@ -3554,7 +3505,7 @@
             </a:prstGeom>
           </p:spPr>
           <p:txBody>
-            <a:bodyPr anchor="ctr" rtlCol="false" tIns="56943" lIns="56943" bIns="56943" rIns="56943"/>
+            <a:bodyPr lIns="56943" tIns="56943" rIns="56943" bIns="56943" rtlCol="0" anchor="ctr"/>
             <a:lstStyle/>
             <a:p>
               <a:pPr algn="ctr">
@@ -3562,18 +3513,19 @@
                   <a:spcPts val="2659"/>
                 </a:lnSpc>
               </a:pPr>
+              <a:endParaRPr/>
             </a:p>
           </p:txBody>
         </p:sp>
       </p:grpSp>
       <p:sp>
         <p:nvSpPr>
-          <p:cNvPr name="TextBox 7" id="7"/>
-          <p:cNvSpPr txBox="true"/>
+          <p:cNvPr id="7" name="TextBox 7"/>
+          <p:cNvSpPr txBox="1"/>
           <p:nvPr/>
         </p:nvSpPr>
         <p:spPr>
-          <a:xfrm rot="0">
+          <a:xfrm>
             <a:off x="1598107" y="2470138"/>
             <a:ext cx="14585420" cy="7587546"/>
           </a:xfrm>
@@ -3582,12 +3534,12 @@
           </a:prstGeom>
         </p:spPr>
         <p:txBody>
-          <a:bodyPr anchor="t" rtlCol="false" tIns="0" lIns="0" bIns="0" rIns="0">
+          <a:bodyPr lIns="0" tIns="0" rIns="0" bIns="0" rtlCol="0" anchor="t">
             <a:spAutoFit/>
           </a:bodyPr>
           <a:lstStyle/>
           <a:p>
-            <a:pPr algn="l" marL="1166448" indent="-583224" lvl="1">
+            <a:pPr marL="1166448" lvl="1" indent="-583224" algn="l">
               <a:lnSpc>
                 <a:spcPts val="7563"/>
               </a:lnSpc>
@@ -3605,7 +3557,7 @@
             </a:r>
           </a:p>
           <a:p>
-            <a:pPr algn="l" marL="1166448" indent="-583224" lvl="1">
+            <a:pPr marL="1166448" lvl="1" indent="-583224" algn="l">
               <a:lnSpc>
                 <a:spcPts val="7563"/>
               </a:lnSpc>
@@ -3623,7 +3575,7 @@
             </a:r>
           </a:p>
           <a:p>
-            <a:pPr algn="l" marL="1166448" indent="-583224" lvl="1">
+            <a:pPr marL="1166448" lvl="1" indent="-583224" algn="l">
               <a:lnSpc>
                 <a:spcPts val="7563"/>
               </a:lnSpc>
@@ -3646,6 +3598,12 @@
                 <a:spcPts val="7563"/>
               </a:lnSpc>
             </a:pPr>
+            <a:endParaRPr lang="en-US" sz="5402">
+              <a:solidFill>
+                <a:srgbClr val="000000"/>
+              </a:solidFill>
+              <a:latin typeface="Noto Sans"/>
+            </a:endParaRPr>
           </a:p>
         </p:txBody>
       </p:sp>
@@ -3658,7 +3616,7 @@
 </file>
 
 <file path=ppt/slides/slide11.xml><?xml version="1.0" encoding="utf-8"?>
-<p:sld xmlns:p="http://schemas.openxmlformats.org/presentationml/2006/main" xmlns:a="http://schemas.openxmlformats.org/drawingml/2006/main" xmlns:r="http://schemas.openxmlformats.org/officeDocument/2006/relationships">
+<p:sld xmlns:a="http://schemas.openxmlformats.org/drawingml/2006/main" xmlns:r="http://schemas.openxmlformats.org/officeDocument/2006/relationships" xmlns:p="http://schemas.openxmlformats.org/presentationml/2006/main">
   <p:cSld>
     <p:spTree>
       <p:nvGrpSpPr>
@@ -3676,12 +3634,12 @@
       </p:grpSpPr>
       <p:sp>
         <p:nvSpPr>
-          <p:cNvPr name="Freeform 2" id="2"/>
+          <p:cNvPr id="2" name="Freeform 2"/>
           <p:cNvSpPr/>
           <p:nvPr/>
         </p:nvSpPr>
         <p:spPr>
-          <a:xfrm flipH="false" flipV="false" rot="0">
+          <a:xfrm>
             <a:off x="0" y="0"/>
             <a:ext cx="18288000" cy="10287000"/>
           </a:xfrm>
@@ -3690,9 +3648,9 @@
             <a:gdLst/>
             <a:ahLst/>
             <a:cxnLst/>
-            <a:rect r="r" b="b" t="t" l="l"/>
+            <a:rect l="l" t="t" r="r" b="b"/>
             <a:pathLst>
-              <a:path h="10287000" w="18288000">
+              <a:path w="18288000" h="10287000">
                 <a:moveTo>
                   <a:pt x="0" y="0"/>
                 </a:moveTo>
@@ -3722,12 +3680,12 @@
       </p:sp>
       <p:grpSp>
         <p:nvGrpSpPr>
-          <p:cNvPr name="Group 3" id="3"/>
+          <p:cNvPr id="3" name="Group 3"/>
           <p:cNvGrpSpPr/>
           <p:nvPr/>
         </p:nvGrpSpPr>
         <p:grpSpPr>
-          <a:xfrm rot="0">
+          <a:xfrm>
             <a:off x="1427764" y="4143647"/>
             <a:ext cx="4947308" cy="5611232"/>
             <a:chOff x="0" y="0"/>
@@ -3736,12 +3694,12 @@
         </p:grpSpPr>
         <p:sp>
           <p:nvSpPr>
-            <p:cNvPr name="Freeform 4" id="4"/>
+            <p:cNvPr id="4" name="Freeform 4"/>
             <p:cNvSpPr/>
             <p:nvPr/>
           </p:nvSpPr>
           <p:spPr>
-            <a:xfrm flipH="false" flipV="false" rot="0">
+            <a:xfrm>
               <a:off x="0" y="0"/>
               <a:ext cx="1302995" cy="1477855"/>
             </a:xfrm>
@@ -3750,9 +3708,9 @@
               <a:gdLst/>
               <a:ahLst/>
               <a:cxnLst/>
-              <a:rect r="r" b="b" t="t" l="l"/>
+              <a:rect l="l" t="t" r="r" b="b"/>
               <a:pathLst>
-                <a:path h="1477855" w="1302995">
+                <a:path w="1302995" h="1477855">
                   <a:moveTo>
                     <a:pt x="79809" y="0"/>
                   </a:moveTo>
@@ -3811,8 +3769,8 @@
         </p:sp>
         <p:sp>
           <p:nvSpPr>
-            <p:cNvPr name="TextBox 5" id="5"/>
-            <p:cNvSpPr txBox="true"/>
+            <p:cNvPr id="5" name="TextBox 5"/>
+            <p:cNvSpPr txBox="1"/>
             <p:nvPr/>
           </p:nvSpPr>
           <p:spPr>
@@ -3825,7 +3783,7 @@
             </a:prstGeom>
           </p:spPr>
           <p:txBody>
-            <a:bodyPr anchor="ctr" rtlCol="false" tIns="50800" lIns="50800" bIns="50800" rIns="50800"/>
+            <a:bodyPr lIns="50800" tIns="50800" rIns="50800" bIns="50800" rtlCol="0" anchor="ctr"/>
             <a:lstStyle/>
             <a:p>
               <a:pPr algn="ctr">
@@ -3833,18 +3791,19 @@
                   <a:spcPts val="2659"/>
                 </a:lnSpc>
               </a:pPr>
+              <a:endParaRPr/>
             </a:p>
           </p:txBody>
         </p:sp>
       </p:grpSp>
       <p:grpSp>
         <p:nvGrpSpPr>
-          <p:cNvPr name="Group 6" id="6"/>
+          <p:cNvPr id="6" name="Group 6"/>
           <p:cNvGrpSpPr/>
           <p:nvPr/>
         </p:nvGrpSpPr>
         <p:grpSpPr>
-          <a:xfrm rot="0">
+          <a:xfrm>
             <a:off x="6672482" y="4143647"/>
             <a:ext cx="4947308" cy="5611232"/>
             <a:chOff x="0" y="0"/>
@@ -3853,12 +3812,12 @@
         </p:grpSpPr>
         <p:sp>
           <p:nvSpPr>
-            <p:cNvPr name="Freeform 7" id="7"/>
+            <p:cNvPr id="7" name="Freeform 7"/>
             <p:cNvSpPr/>
             <p:nvPr/>
           </p:nvSpPr>
           <p:spPr>
-            <a:xfrm flipH="false" flipV="false" rot="0">
+            <a:xfrm>
               <a:off x="0" y="0"/>
               <a:ext cx="1302995" cy="1477855"/>
             </a:xfrm>
@@ -3867,9 +3826,9 @@
               <a:gdLst/>
               <a:ahLst/>
               <a:cxnLst/>
-              <a:rect r="r" b="b" t="t" l="l"/>
+              <a:rect l="l" t="t" r="r" b="b"/>
               <a:pathLst>
-                <a:path h="1477855" w="1302995">
+                <a:path w="1302995" h="1477855">
                   <a:moveTo>
                     <a:pt x="79809" y="0"/>
                   </a:moveTo>
@@ -3928,8 +3887,8 @@
         </p:sp>
         <p:sp>
           <p:nvSpPr>
-            <p:cNvPr name="TextBox 8" id="8"/>
-            <p:cNvSpPr txBox="true"/>
+            <p:cNvPr id="8" name="TextBox 8"/>
+            <p:cNvSpPr txBox="1"/>
             <p:nvPr/>
           </p:nvSpPr>
           <p:spPr>
@@ -3942,7 +3901,7 @@
             </a:prstGeom>
           </p:spPr>
           <p:txBody>
-            <a:bodyPr anchor="ctr" rtlCol="false" tIns="50800" lIns="50800" bIns="50800" rIns="50800"/>
+            <a:bodyPr lIns="50800" tIns="50800" rIns="50800" bIns="50800" rtlCol="0" anchor="ctr"/>
             <a:lstStyle/>
             <a:p>
               <a:pPr algn="ctr">
@@ -3950,18 +3909,19 @@
                   <a:spcPts val="2659"/>
                 </a:lnSpc>
               </a:pPr>
+              <a:endParaRPr/>
             </a:p>
           </p:txBody>
         </p:sp>
       </p:grpSp>
       <p:grpSp>
         <p:nvGrpSpPr>
-          <p:cNvPr name="Group 9" id="9"/>
+          <p:cNvPr id="9" name="Group 9"/>
           <p:cNvGrpSpPr/>
           <p:nvPr/>
         </p:nvGrpSpPr>
         <p:grpSpPr>
-          <a:xfrm rot="0">
+          <a:xfrm>
             <a:off x="11915064" y="4143647"/>
             <a:ext cx="4947308" cy="5611232"/>
             <a:chOff x="0" y="0"/>
@@ -3970,12 +3930,12 @@
         </p:grpSpPr>
         <p:sp>
           <p:nvSpPr>
-            <p:cNvPr name="Freeform 10" id="10"/>
+            <p:cNvPr id="10" name="Freeform 10"/>
             <p:cNvSpPr/>
             <p:nvPr/>
           </p:nvSpPr>
           <p:spPr>
-            <a:xfrm flipH="false" flipV="false" rot="0">
+            <a:xfrm>
               <a:off x="0" y="0"/>
               <a:ext cx="1302995" cy="1477855"/>
             </a:xfrm>
@@ -3984,9 +3944,9 @@
               <a:gdLst/>
               <a:ahLst/>
               <a:cxnLst/>
-              <a:rect r="r" b="b" t="t" l="l"/>
+              <a:rect l="l" t="t" r="r" b="b"/>
               <a:pathLst>
-                <a:path h="1477855" w="1302995">
+                <a:path w="1302995" h="1477855">
                   <a:moveTo>
                     <a:pt x="79809" y="0"/>
                   </a:moveTo>
@@ -4045,8 +4005,8 @@
         </p:sp>
         <p:sp>
           <p:nvSpPr>
-            <p:cNvPr name="TextBox 11" id="11"/>
-            <p:cNvSpPr txBox="true"/>
+            <p:cNvPr id="11" name="TextBox 11"/>
+            <p:cNvSpPr txBox="1"/>
             <p:nvPr/>
           </p:nvSpPr>
           <p:spPr>
@@ -4059,7 +4019,7 @@
             </a:prstGeom>
           </p:spPr>
           <p:txBody>
-            <a:bodyPr anchor="ctr" rtlCol="false" tIns="50800" lIns="50800" bIns="50800" rIns="50800"/>
+            <a:bodyPr lIns="50800" tIns="50800" rIns="50800" bIns="50800" rtlCol="0" anchor="ctr"/>
             <a:lstStyle/>
             <a:p>
               <a:pPr algn="ctr">
@@ -4067,18 +4027,19 @@
                   <a:spcPts val="2659"/>
                 </a:lnSpc>
               </a:pPr>
+              <a:endParaRPr/>
             </a:p>
           </p:txBody>
         </p:sp>
       </p:grpSp>
       <p:sp>
         <p:nvSpPr>
-          <p:cNvPr name="Freeform 12" id="12"/>
+          <p:cNvPr id="12" name="Freeform 12"/>
           <p:cNvSpPr/>
           <p:nvPr/>
         </p:nvSpPr>
         <p:spPr>
-          <a:xfrm flipH="false" flipV="false" rot="0">
+          <a:xfrm>
             <a:off x="1028700" y="993211"/>
             <a:ext cx="3633745" cy="1448669"/>
           </a:xfrm>
@@ -4087,9 +4048,9 @@
             <a:gdLst/>
             <a:ahLst/>
             <a:cxnLst/>
-            <a:rect r="r" b="b" t="t" l="l"/>
+            <a:rect l="l" t="t" r="r" b="b"/>
             <a:pathLst>
-              <a:path h="1448669" w="3633745">
+              <a:path w="3633745" h="1448669">
                 <a:moveTo>
                   <a:pt x="0" y="0"/>
                 </a:moveTo>
@@ -4112,19 +4073,19 @@
           <a:blipFill>
             <a:blip r:embed="rId3"/>
             <a:stretch>
-              <a:fillRect l="0" t="0" r="0" b="0"/>
+              <a:fillRect/>
             </a:stretch>
           </a:blipFill>
         </p:spPr>
       </p:sp>
       <p:sp>
         <p:nvSpPr>
-          <p:cNvPr name="Freeform 13" id="13"/>
+          <p:cNvPr id="13" name="Freeform 13"/>
           <p:cNvSpPr/>
           <p:nvPr/>
         </p:nvSpPr>
         <p:spPr>
-          <a:xfrm flipH="false" flipV="false" rot="0">
+          <a:xfrm>
             <a:off x="14818362" y="2774485"/>
             <a:ext cx="1597998" cy="1720921"/>
           </a:xfrm>
@@ -4133,9 +4094,9 @@
             <a:gdLst/>
             <a:ahLst/>
             <a:cxnLst/>
-            <a:rect r="r" b="b" t="t" l="l"/>
+            <a:rect l="l" t="t" r="r" b="b"/>
             <a:pathLst>
-              <a:path h="1720921" w="1597998">
+              <a:path w="1597998" h="1720921">
                 <a:moveTo>
                   <a:pt x="0" y="0"/>
                 </a:moveTo>
@@ -4158,19 +4119,19 @@
           <a:blipFill>
             <a:blip r:embed="rId4"/>
             <a:stretch>
-              <a:fillRect l="0" t="0" r="0" b="0"/>
+              <a:fillRect/>
             </a:stretch>
           </a:blipFill>
         </p:spPr>
       </p:sp>
       <p:sp>
         <p:nvSpPr>
-          <p:cNvPr name="TextBox 14" id="14"/>
-          <p:cNvSpPr txBox="true"/>
+          <p:cNvPr id="14" name="TextBox 14"/>
+          <p:cNvSpPr txBox="1"/>
           <p:nvPr/>
         </p:nvSpPr>
         <p:spPr>
-          <a:xfrm rot="0">
+          <a:xfrm>
             <a:off x="1339781" y="4823294"/>
             <a:ext cx="4947308" cy="4777906"/>
           </a:xfrm>
@@ -4179,12 +4140,12 @@
           </a:prstGeom>
         </p:spPr>
         <p:txBody>
-          <a:bodyPr anchor="t" rtlCol="false" tIns="0" lIns="0" bIns="0" rIns="0">
+          <a:bodyPr lIns="0" tIns="0" rIns="0" bIns="0" rtlCol="0" anchor="t">
             <a:spAutoFit/>
           </a:bodyPr>
           <a:lstStyle/>
           <a:p>
-            <a:pPr algn="l" marL="840595" indent="-420297" lvl="1">
+            <a:pPr marL="840595" lvl="1" indent="-420297" algn="l">
               <a:lnSpc>
                 <a:spcPts val="5450"/>
               </a:lnSpc>
@@ -4202,7 +4163,7 @@
             </a:r>
           </a:p>
           <a:p>
-            <a:pPr algn="l" marL="840595" indent="-420297" lvl="1">
+            <a:pPr marL="840595" lvl="1" indent="-420297" algn="l">
               <a:lnSpc>
                 <a:spcPts val="5450"/>
               </a:lnSpc>
@@ -4220,7 +4181,7 @@
             </a:r>
           </a:p>
           <a:p>
-            <a:pPr algn="l" marL="840595" indent="-420297" lvl="1">
+            <a:pPr marL="840595" lvl="1" indent="-420297" algn="l">
               <a:lnSpc>
                 <a:spcPts val="5450"/>
               </a:lnSpc>
@@ -4241,12 +4202,12 @@
       </p:sp>
       <p:sp>
         <p:nvSpPr>
-          <p:cNvPr name="TextBox 15" id="15"/>
-          <p:cNvSpPr txBox="true"/>
+          <p:cNvPr id="15" name="TextBox 15"/>
+          <p:cNvSpPr txBox="1"/>
           <p:nvPr/>
         </p:nvSpPr>
         <p:spPr>
-          <a:xfrm rot="0">
+          <a:xfrm>
             <a:off x="3679044" y="895350"/>
             <a:ext cx="10929913" cy="1193800"/>
           </a:xfrm>
@@ -4255,7 +4216,7 @@
           </a:prstGeom>
         </p:spPr>
         <p:txBody>
-          <a:bodyPr anchor="t" rtlCol="false" tIns="0" lIns="0" bIns="0" rIns="0">
+          <a:bodyPr lIns="0" tIns="0" rIns="0" bIns="0" rtlCol="0" anchor="t">
             <a:spAutoFit/>
           </a:bodyPr>
           <a:lstStyle/>
@@ -4279,12 +4240,12 @@
       </p:sp>
       <p:sp>
         <p:nvSpPr>
-          <p:cNvPr name="TextBox 16" id="16"/>
-          <p:cNvSpPr txBox="true"/>
+          <p:cNvPr id="16" name="TextBox 16"/>
+          <p:cNvSpPr txBox="1"/>
           <p:nvPr/>
         </p:nvSpPr>
         <p:spPr>
-          <a:xfrm rot="0">
+          <a:xfrm>
             <a:off x="11915064" y="4480394"/>
             <a:ext cx="4947308" cy="5463706"/>
           </a:xfrm>
@@ -4293,12 +4254,12 @@
           </a:prstGeom>
         </p:spPr>
         <p:txBody>
-          <a:bodyPr anchor="t" rtlCol="false" tIns="0" lIns="0" bIns="0" rIns="0">
+          <a:bodyPr lIns="0" tIns="0" rIns="0" bIns="0" rtlCol="0" anchor="t">
             <a:spAutoFit/>
           </a:bodyPr>
           <a:lstStyle/>
           <a:p>
-            <a:pPr algn="l" marL="840595" indent="-420297" lvl="1">
+            <a:pPr marL="840595" lvl="1" indent="-420297" algn="l">
               <a:lnSpc>
                 <a:spcPts val="5450"/>
               </a:lnSpc>
@@ -4316,7 +4277,7 @@
             </a:r>
           </a:p>
           <a:p>
-            <a:pPr algn="l" marL="840595" indent="-420297" lvl="1">
+            <a:pPr marL="840595" lvl="1" indent="-420297" algn="l">
               <a:lnSpc>
                 <a:spcPts val="5450"/>
               </a:lnSpc>
@@ -4339,17 +4300,23 @@
                 <a:spcPts val="5450"/>
               </a:lnSpc>
             </a:pPr>
-          </a:p>
-        </p:txBody>
-      </p:sp>
-      <p:sp>
-        <p:nvSpPr>
-          <p:cNvPr name="TextBox 17" id="17"/>
-          <p:cNvSpPr txBox="true"/>
+            <a:endParaRPr lang="en-US" sz="3893">
+              <a:solidFill>
+                <a:srgbClr val="000000"/>
+              </a:solidFill>
+              <a:latin typeface="Noto Sans"/>
+            </a:endParaRPr>
+          </a:p>
+        </p:txBody>
+      </p:sp>
+      <p:sp>
+        <p:nvSpPr>
+          <p:cNvPr id="17" name="TextBox 17"/>
+          <p:cNvSpPr txBox="1"/>
           <p:nvPr/>
         </p:nvSpPr>
         <p:spPr>
-          <a:xfrm rot="0">
+          <a:xfrm>
             <a:off x="1507204" y="2851455"/>
             <a:ext cx="4779885" cy="1545589"/>
           </a:xfrm>
@@ -4358,7 +4325,7 @@
           </a:prstGeom>
         </p:spPr>
         <p:txBody>
-          <a:bodyPr anchor="t" rtlCol="false" tIns="0" lIns="0" bIns="0" rIns="0">
+          <a:bodyPr lIns="0" tIns="0" rIns="0" bIns="0" rtlCol="0" anchor="t">
             <a:spAutoFit/>
           </a:bodyPr>
           <a:lstStyle/>
@@ -4382,12 +4349,12 @@
       </p:sp>
       <p:sp>
         <p:nvSpPr>
-          <p:cNvPr name="TextBox 18" id="18"/>
-          <p:cNvSpPr txBox="true"/>
+          <p:cNvPr id="18" name="TextBox 18"/>
+          <p:cNvSpPr txBox="1"/>
           <p:nvPr/>
         </p:nvSpPr>
         <p:spPr>
-          <a:xfrm rot="0">
+          <a:xfrm>
             <a:off x="6754058" y="2851455"/>
             <a:ext cx="4779885" cy="1545589"/>
           </a:xfrm>
@@ -4396,7 +4363,7 @@
           </a:prstGeom>
         </p:spPr>
         <p:txBody>
-          <a:bodyPr anchor="t" rtlCol="false" tIns="0" lIns="0" bIns="0" rIns="0">
+          <a:bodyPr lIns="0" tIns="0" rIns="0" bIns="0" rtlCol="0" anchor="t">
             <a:spAutoFit/>
           </a:bodyPr>
           <a:lstStyle/>
@@ -4420,12 +4387,12 @@
       </p:sp>
       <p:sp>
         <p:nvSpPr>
-          <p:cNvPr name="TextBox 19" id="19"/>
-          <p:cNvSpPr txBox="true"/>
+          <p:cNvPr id="19" name="TextBox 19"/>
+          <p:cNvSpPr txBox="1"/>
           <p:nvPr/>
         </p:nvSpPr>
         <p:spPr>
-          <a:xfrm rot="0">
+          <a:xfrm>
             <a:off x="11619789" y="2815506"/>
             <a:ext cx="3458953" cy="1553153"/>
           </a:xfrm>
@@ -4434,7 +4401,7 @@
           </a:prstGeom>
         </p:spPr>
         <p:txBody>
-          <a:bodyPr anchor="t" rtlCol="false" tIns="0" lIns="0" bIns="0" rIns="0">
+          <a:bodyPr lIns="0" tIns="0" rIns="0" bIns="0" rtlCol="0" anchor="t">
             <a:spAutoFit/>
           </a:bodyPr>
           <a:lstStyle/>
@@ -4474,12 +4441,12 @@
       </p:sp>
       <p:sp>
         <p:nvSpPr>
-          <p:cNvPr name="TextBox 20" id="20"/>
-          <p:cNvSpPr txBox="true"/>
+          <p:cNvPr id="20" name="TextBox 20"/>
+          <p:cNvSpPr txBox="1"/>
           <p:nvPr/>
         </p:nvSpPr>
         <p:spPr>
-          <a:xfrm rot="0">
+          <a:xfrm>
             <a:off x="6672482" y="4823294"/>
             <a:ext cx="4712767" cy="2034706"/>
           </a:xfrm>
@@ -4488,12 +4455,12 @@
           </a:prstGeom>
         </p:spPr>
         <p:txBody>
-          <a:bodyPr anchor="t" rtlCol="false" tIns="0" lIns="0" bIns="0" rIns="0">
+          <a:bodyPr lIns="0" tIns="0" rIns="0" bIns="0" rtlCol="0" anchor="t">
             <a:spAutoFit/>
           </a:bodyPr>
           <a:lstStyle/>
           <a:p>
-            <a:pPr algn="l" marL="840595" indent="-420297" lvl="1">
+            <a:pPr marL="840595" lvl="1" indent="-420297" algn="l">
               <a:lnSpc>
                 <a:spcPts val="5450"/>
               </a:lnSpc>
@@ -4521,7 +4488,7 @@
 </file>
 
 <file path=ppt/slides/slide12.xml><?xml version="1.0" encoding="utf-8"?>
-<p:sld xmlns:p="http://schemas.openxmlformats.org/presentationml/2006/main" xmlns:a="http://schemas.openxmlformats.org/drawingml/2006/main" xmlns:r="http://schemas.openxmlformats.org/officeDocument/2006/relationships">
+<p:sld xmlns:a="http://schemas.openxmlformats.org/drawingml/2006/main" xmlns:r="http://schemas.openxmlformats.org/officeDocument/2006/relationships" xmlns:p="http://schemas.openxmlformats.org/presentationml/2006/main">
   <p:cSld>
     <p:spTree>
       <p:nvGrpSpPr>
@@ -4539,12 +4506,12 @@
       </p:grpSpPr>
       <p:sp>
         <p:nvSpPr>
-          <p:cNvPr name="Freeform 2" id="2"/>
+          <p:cNvPr id="2" name="Freeform 2"/>
           <p:cNvSpPr/>
           <p:nvPr/>
         </p:nvSpPr>
         <p:spPr>
-          <a:xfrm flipH="false" flipV="false" rot="0">
+          <a:xfrm>
             <a:off x="0" y="0"/>
             <a:ext cx="18288000" cy="10287000"/>
           </a:xfrm>
@@ -4553,9 +4520,9 @@
             <a:gdLst/>
             <a:ahLst/>
             <a:cxnLst/>
-            <a:rect r="r" b="b" t="t" l="l"/>
+            <a:rect l="l" t="t" r="r" b="b"/>
             <a:pathLst>
-              <a:path h="10287000" w="18288000">
+              <a:path w="18288000" h="10287000">
                 <a:moveTo>
                   <a:pt x="0" y="0"/>
                 </a:moveTo>
@@ -4585,12 +4552,12 @@
       </p:sp>
       <p:sp>
         <p:nvSpPr>
-          <p:cNvPr name="TextBox 3" id="3"/>
-          <p:cNvSpPr txBox="true"/>
+          <p:cNvPr id="3" name="TextBox 3"/>
+          <p:cNvSpPr txBox="1"/>
           <p:nvPr/>
         </p:nvSpPr>
         <p:spPr>
-          <a:xfrm rot="0">
+          <a:xfrm>
             <a:off x="2043618" y="3511511"/>
             <a:ext cx="14200763" cy="3102053"/>
           </a:xfrm>
@@ -4599,7 +4566,7 @@
           </a:prstGeom>
         </p:spPr>
         <p:txBody>
-          <a:bodyPr anchor="t" rtlCol="false" tIns="0" lIns="0" bIns="0" rIns="0">
+          <a:bodyPr lIns="0" tIns="0" rIns="0" bIns="0" rtlCol="0" anchor="t">
             <a:spAutoFit/>
           </a:bodyPr>
           <a:lstStyle/>
@@ -4630,7 +4597,7 @@
 </file>
 
 <file path=ppt/slides/slide2.xml><?xml version="1.0" encoding="utf-8"?>
-<p:sld xmlns:p="http://schemas.openxmlformats.org/presentationml/2006/main" xmlns:a="http://schemas.openxmlformats.org/drawingml/2006/main" xmlns:r="http://schemas.openxmlformats.org/officeDocument/2006/relationships">
+<p:sld xmlns:a="http://schemas.openxmlformats.org/drawingml/2006/main" xmlns:r="http://schemas.openxmlformats.org/officeDocument/2006/relationships" xmlns:p="http://schemas.openxmlformats.org/presentationml/2006/main">
   <p:cSld>
     <p:spTree>
       <p:nvGrpSpPr>
@@ -4648,12 +4615,12 @@
       </p:grpSpPr>
       <p:sp>
         <p:nvSpPr>
-          <p:cNvPr name="Freeform 2" id="2"/>
+          <p:cNvPr id="2" name="Freeform 2"/>
           <p:cNvSpPr/>
           <p:nvPr/>
         </p:nvSpPr>
         <p:spPr>
-          <a:xfrm flipH="false" flipV="false" rot="0">
+          <a:xfrm>
             <a:off x="0" y="0"/>
             <a:ext cx="18288000" cy="10287000"/>
           </a:xfrm>
@@ -4662,9 +4629,9 @@
             <a:gdLst/>
             <a:ahLst/>
             <a:cxnLst/>
-            <a:rect r="r" b="b" t="t" l="l"/>
+            <a:rect l="l" t="t" r="r" b="b"/>
             <a:pathLst>
-              <a:path h="10287000" w="18288000">
+              <a:path w="18288000" h="10287000">
                 <a:moveTo>
                   <a:pt x="0" y="0"/>
                 </a:moveTo>
@@ -4694,12 +4661,12 @@
       </p:sp>
       <p:grpSp>
         <p:nvGrpSpPr>
-          <p:cNvPr name="Group 3" id="3"/>
+          <p:cNvPr id="3" name="Group 3"/>
           <p:cNvGrpSpPr/>
           <p:nvPr/>
         </p:nvGrpSpPr>
         <p:grpSpPr>
-          <a:xfrm rot="0">
+          <a:xfrm>
             <a:off x="368444" y="4640825"/>
             <a:ext cx="3285383" cy="3166267"/>
             <a:chOff x="0" y="0"/>
@@ -4708,12 +4675,12 @@
         </p:grpSpPr>
         <p:sp>
           <p:nvSpPr>
-            <p:cNvPr name="Freeform 4" id="4"/>
+            <p:cNvPr id="4" name="Freeform 4"/>
             <p:cNvSpPr/>
             <p:nvPr/>
           </p:nvSpPr>
           <p:spPr>
-            <a:xfrm flipH="false" flipV="false" rot="0">
+            <a:xfrm>
               <a:off x="0" y="0"/>
               <a:ext cx="1158261" cy="1116266"/>
             </a:xfrm>
@@ -4722,9 +4689,9 @@
               <a:gdLst/>
               <a:ahLst/>
               <a:cxnLst/>
-              <a:rect r="r" b="b" t="t" l="l"/>
+              <a:rect l="l" t="t" r="r" b="b"/>
               <a:pathLst>
-                <a:path h="1116266" w="1158261">
+                <a:path w="1158261" h="1116266">
                   <a:moveTo>
                     <a:pt x="120180" y="0"/>
                   </a:moveTo>
@@ -4788,8 +4755,8 @@
         </p:sp>
         <p:sp>
           <p:nvSpPr>
-            <p:cNvPr name="TextBox 5" id="5"/>
-            <p:cNvSpPr txBox="true"/>
+            <p:cNvPr id="5" name="TextBox 5"/>
+            <p:cNvSpPr txBox="1"/>
             <p:nvPr/>
           </p:nvSpPr>
           <p:spPr>
@@ -4802,7 +4769,7 @@
             </a:prstGeom>
           </p:spPr>
           <p:txBody>
-            <a:bodyPr anchor="ctr" rtlCol="false" tIns="50800" lIns="50800" bIns="50800" rIns="50800"/>
+            <a:bodyPr lIns="50800" tIns="50800" rIns="50800" bIns="50800" rtlCol="0" anchor="ctr"/>
             <a:lstStyle/>
             <a:p>
               <a:pPr algn="ctr">
@@ -4810,18 +4777,19 @@
                   <a:spcPts val="2659"/>
                 </a:lnSpc>
               </a:pPr>
+              <a:endParaRPr/>
             </a:p>
           </p:txBody>
         </p:sp>
       </p:grpSp>
       <p:sp>
         <p:nvSpPr>
-          <p:cNvPr name="TextBox 6" id="6"/>
-          <p:cNvSpPr txBox="true"/>
+          <p:cNvPr id="6" name="TextBox 6"/>
+          <p:cNvSpPr txBox="1"/>
           <p:nvPr/>
         </p:nvSpPr>
         <p:spPr>
-          <a:xfrm rot="0">
+          <a:xfrm>
             <a:off x="368444" y="4784581"/>
             <a:ext cx="3285383" cy="2794000"/>
           </a:xfrm>
@@ -4830,7 +4798,7 @@
           </a:prstGeom>
         </p:spPr>
         <p:txBody>
-          <a:bodyPr anchor="t" rtlCol="false" tIns="0" lIns="0" bIns="0" rIns="0">
+          <a:bodyPr lIns="0" tIns="0" rIns="0" bIns="0" rtlCol="0" anchor="t">
             <a:spAutoFit/>
           </a:bodyPr>
           <a:lstStyle/>
@@ -4870,12 +4838,12 @@
       </p:sp>
       <p:grpSp>
         <p:nvGrpSpPr>
-          <p:cNvPr name="Group 7" id="7"/>
+          <p:cNvPr id="7" name="Group 7"/>
           <p:cNvGrpSpPr/>
           <p:nvPr/>
         </p:nvGrpSpPr>
         <p:grpSpPr>
-          <a:xfrm rot="0">
+          <a:xfrm>
             <a:off x="7693384" y="4618914"/>
             <a:ext cx="3207236" cy="3188177"/>
             <a:chOff x="0" y="0"/>
@@ -4884,12 +4852,12 @@
         </p:grpSpPr>
         <p:sp>
           <p:nvSpPr>
-            <p:cNvPr name="Freeform 8" id="8"/>
+            <p:cNvPr id="8" name="Freeform 8"/>
             <p:cNvSpPr/>
             <p:nvPr/>
           </p:nvSpPr>
           <p:spPr>
-            <a:xfrm flipH="false" flipV="false" rot="0">
+            <a:xfrm>
               <a:off x="0" y="0"/>
               <a:ext cx="1131330" cy="1124607"/>
             </a:xfrm>
@@ -4898,9 +4866,9 @@
               <a:gdLst/>
               <a:ahLst/>
               <a:cxnLst/>
-              <a:rect r="r" b="b" t="t" l="l"/>
+              <a:rect l="l" t="t" r="r" b="b"/>
               <a:pathLst>
-                <a:path h="1124607" w="1131330">
+                <a:path w="1131330" h="1124607">
                   <a:moveTo>
                     <a:pt x="123108" y="0"/>
                   </a:moveTo>
@@ -4959,8 +4927,8 @@
         </p:sp>
         <p:sp>
           <p:nvSpPr>
-            <p:cNvPr name="TextBox 9" id="9"/>
-            <p:cNvSpPr txBox="true"/>
+            <p:cNvPr id="9" name="TextBox 9"/>
+            <p:cNvSpPr txBox="1"/>
             <p:nvPr/>
           </p:nvSpPr>
           <p:spPr>
@@ -4973,7 +4941,7 @@
             </a:prstGeom>
           </p:spPr>
           <p:txBody>
-            <a:bodyPr anchor="ctr" rtlCol="false" tIns="50800" lIns="50800" bIns="50800" rIns="50800"/>
+            <a:bodyPr lIns="50800" tIns="50800" rIns="50800" bIns="50800" rtlCol="0" anchor="ctr"/>
             <a:lstStyle/>
             <a:p>
               <a:pPr algn="ctr">
@@ -4981,18 +4949,19 @@
                   <a:spcPts val="2659"/>
                 </a:lnSpc>
               </a:pPr>
+              <a:endParaRPr/>
             </a:p>
           </p:txBody>
         </p:sp>
       </p:grpSp>
       <p:sp>
         <p:nvSpPr>
-          <p:cNvPr name="TextBox 10" id="10"/>
-          <p:cNvSpPr txBox="true"/>
+          <p:cNvPr id="10" name="TextBox 10"/>
+          <p:cNvSpPr txBox="1"/>
           <p:nvPr/>
         </p:nvSpPr>
         <p:spPr>
-          <a:xfrm rot="0">
+          <a:xfrm>
             <a:off x="3462763" y="1695903"/>
             <a:ext cx="11362473" cy="1203325"/>
           </a:xfrm>
@@ -5001,7 +4970,7 @@
           </a:prstGeom>
         </p:spPr>
         <p:txBody>
-          <a:bodyPr anchor="t" rtlCol="false" tIns="0" lIns="0" bIns="0" rIns="0">
+          <a:bodyPr lIns="0" tIns="0" rIns="0" bIns="0" rtlCol="0" anchor="t">
             <a:spAutoFit/>
           </a:bodyPr>
           <a:lstStyle/>
@@ -5025,12 +4994,12 @@
       </p:sp>
       <p:sp>
         <p:nvSpPr>
-          <p:cNvPr name="TextBox 11" id="11"/>
-          <p:cNvSpPr txBox="true"/>
+          <p:cNvPr id="11" name="TextBox 11"/>
+          <p:cNvSpPr txBox="1"/>
           <p:nvPr/>
         </p:nvSpPr>
         <p:spPr>
-          <a:xfrm rot="0">
+          <a:xfrm>
             <a:off x="233069" y="4089939"/>
             <a:ext cx="3556132" cy="704604"/>
           </a:xfrm>
@@ -5039,7 +5008,7 @@
           </a:prstGeom>
         </p:spPr>
         <p:txBody>
-          <a:bodyPr anchor="t" rtlCol="false" tIns="0" lIns="0" bIns="0" rIns="0">
+          <a:bodyPr lIns="0" tIns="0" rIns="0" bIns="0" rtlCol="0" anchor="t">
             <a:spAutoFit/>
           </a:bodyPr>
           <a:lstStyle/>
@@ -5063,12 +5032,12 @@
       </p:sp>
       <p:sp>
         <p:nvSpPr>
-          <p:cNvPr name="TextBox 12" id="12"/>
-          <p:cNvSpPr txBox="true"/>
+          <p:cNvPr id="12" name="TextBox 12"/>
+          <p:cNvSpPr txBox="1"/>
           <p:nvPr/>
         </p:nvSpPr>
         <p:spPr>
-          <a:xfrm rot="0">
+          <a:xfrm>
             <a:off x="7579382" y="4097244"/>
             <a:ext cx="3568888" cy="697299"/>
           </a:xfrm>
@@ -5077,7 +5046,7 @@
           </a:prstGeom>
         </p:spPr>
         <p:txBody>
-          <a:bodyPr anchor="t" rtlCol="false" tIns="0" lIns="0" bIns="0" rIns="0">
+          <a:bodyPr lIns="0" tIns="0" rIns="0" bIns="0" rtlCol="0" anchor="t">
             <a:spAutoFit/>
           </a:bodyPr>
           <a:lstStyle/>
@@ -5101,12 +5070,12 @@
       </p:sp>
       <p:grpSp>
         <p:nvGrpSpPr>
-          <p:cNvPr name="Group 13" id="13"/>
+          <p:cNvPr id="13" name="Group 13"/>
           <p:cNvGrpSpPr/>
           <p:nvPr/>
         </p:nvGrpSpPr>
         <p:grpSpPr>
-          <a:xfrm rot="0">
+          <a:xfrm>
             <a:off x="11339251" y="4603414"/>
             <a:ext cx="3128757" cy="3166267"/>
             <a:chOff x="0" y="0"/>
@@ -5115,12 +5084,12 @@
         </p:grpSpPr>
         <p:sp>
           <p:nvSpPr>
-            <p:cNvPr name="Freeform 14" id="14"/>
+            <p:cNvPr id="14" name="Freeform 14"/>
             <p:cNvSpPr/>
             <p:nvPr/>
           </p:nvSpPr>
           <p:spPr>
-            <a:xfrm flipH="false" flipV="false" rot="0">
+            <a:xfrm>
               <a:off x="0" y="0"/>
               <a:ext cx="1103042" cy="1116266"/>
             </a:xfrm>
@@ -5129,9 +5098,9 @@
               <a:gdLst/>
               <a:ahLst/>
               <a:cxnLst/>
-              <a:rect r="r" b="b" t="t" l="l"/>
+              <a:rect l="l" t="t" r="r" b="b"/>
               <a:pathLst>
-                <a:path h="1116266" w="1103042">
+                <a:path w="1103042" h="1116266">
                   <a:moveTo>
                     <a:pt x="126196" y="0"/>
                   </a:moveTo>
@@ -5190,8 +5159,8 @@
         </p:sp>
         <p:sp>
           <p:nvSpPr>
-            <p:cNvPr name="TextBox 15" id="15"/>
-            <p:cNvSpPr txBox="true"/>
+            <p:cNvPr id="15" name="TextBox 15"/>
+            <p:cNvSpPr txBox="1"/>
             <p:nvPr/>
           </p:nvSpPr>
           <p:spPr>
@@ -5204,7 +5173,7 @@
             </a:prstGeom>
           </p:spPr>
           <p:txBody>
-            <a:bodyPr anchor="ctr" rtlCol="false" tIns="50800" lIns="50800" bIns="50800" rIns="50800"/>
+            <a:bodyPr lIns="50800" tIns="50800" rIns="50800" bIns="50800" rtlCol="0" anchor="ctr"/>
             <a:lstStyle/>
             <a:p>
               <a:pPr algn="ctr">
@@ -5212,18 +5181,19 @@
                   <a:spcPts val="2659"/>
                 </a:lnSpc>
               </a:pPr>
+              <a:endParaRPr/>
             </a:p>
           </p:txBody>
         </p:sp>
       </p:grpSp>
       <p:grpSp>
         <p:nvGrpSpPr>
-          <p:cNvPr name="Group 16" id="16"/>
+          <p:cNvPr id="16" name="Group 16"/>
           <p:cNvGrpSpPr/>
           <p:nvPr/>
         </p:nvGrpSpPr>
         <p:grpSpPr>
-          <a:xfrm rot="0">
+          <a:xfrm>
             <a:off x="14861506" y="4640825"/>
             <a:ext cx="3077799" cy="3166267"/>
             <a:chOff x="0" y="0"/>
@@ -5232,12 +5202,12 @@
         </p:grpSpPr>
         <p:sp>
           <p:nvSpPr>
-            <p:cNvPr name="Freeform 17" id="17"/>
+            <p:cNvPr id="17" name="Freeform 17"/>
             <p:cNvSpPr/>
             <p:nvPr/>
           </p:nvSpPr>
           <p:spPr>
-            <a:xfrm flipH="false" flipV="false" rot="0">
+            <a:xfrm>
               <a:off x="0" y="0"/>
               <a:ext cx="1085672" cy="1116878"/>
             </a:xfrm>
@@ -5246,9 +5216,9 @@
               <a:gdLst/>
               <a:ahLst/>
               <a:cxnLst/>
-              <a:rect r="r" b="b" t="t" l="l"/>
+              <a:rect l="l" t="t" r="r" b="b"/>
               <a:pathLst>
-                <a:path h="1116878" w="1085672">
+                <a:path w="1085672" h="1116878">
                   <a:moveTo>
                     <a:pt x="128286" y="0"/>
                   </a:moveTo>
@@ -5317,8 +5287,8 @@
         </p:sp>
         <p:sp>
           <p:nvSpPr>
-            <p:cNvPr name="TextBox 18" id="18"/>
-            <p:cNvSpPr txBox="true"/>
+            <p:cNvPr id="18" name="TextBox 18"/>
+            <p:cNvSpPr txBox="1"/>
             <p:nvPr/>
           </p:nvSpPr>
           <p:spPr>
@@ -5331,7 +5301,7 @@
             </a:prstGeom>
           </p:spPr>
           <p:txBody>
-            <a:bodyPr anchor="ctr" rtlCol="false" tIns="50800" lIns="50800" bIns="50800" rIns="50800"/>
+            <a:bodyPr lIns="50800" tIns="50800" rIns="50800" bIns="50800" rtlCol="0" anchor="ctr"/>
             <a:lstStyle/>
             <a:p>
               <a:pPr algn="ctr">
@@ -5339,18 +5309,19 @@
                   <a:spcPts val="2659"/>
                 </a:lnSpc>
               </a:pPr>
+              <a:endParaRPr/>
             </a:p>
           </p:txBody>
         </p:sp>
       </p:grpSp>
       <p:sp>
         <p:nvSpPr>
-          <p:cNvPr name="TextBox 19" id="19"/>
-          <p:cNvSpPr txBox="true"/>
+          <p:cNvPr id="19" name="TextBox 19"/>
+          <p:cNvSpPr txBox="1"/>
           <p:nvPr/>
         </p:nvSpPr>
         <p:spPr>
-          <a:xfrm rot="0">
+          <a:xfrm>
             <a:off x="11138744" y="4096903"/>
             <a:ext cx="3570843" cy="697639"/>
           </a:xfrm>
@@ -5359,7 +5330,7 @@
           </a:prstGeom>
         </p:spPr>
         <p:txBody>
-          <a:bodyPr anchor="t" rtlCol="false" tIns="0" lIns="0" bIns="0" rIns="0">
+          <a:bodyPr lIns="0" tIns="0" rIns="0" bIns="0" rtlCol="0" anchor="t">
             <a:spAutoFit/>
           </a:bodyPr>
           <a:lstStyle/>
@@ -5383,12 +5354,12 @@
       </p:sp>
       <p:sp>
         <p:nvSpPr>
-          <p:cNvPr name="TextBox 20" id="20"/>
-          <p:cNvSpPr txBox="true"/>
+          <p:cNvPr id="20" name="TextBox 20"/>
+          <p:cNvSpPr txBox="1"/>
           <p:nvPr/>
         </p:nvSpPr>
         <p:spPr>
-          <a:xfrm rot="0">
+          <a:xfrm>
             <a:off x="14615962" y="4097244"/>
             <a:ext cx="3568888" cy="697299"/>
           </a:xfrm>
@@ -5397,7 +5368,7 @@
           </a:prstGeom>
         </p:spPr>
         <p:txBody>
-          <a:bodyPr anchor="t" rtlCol="false" tIns="0" lIns="0" bIns="0" rIns="0">
+          <a:bodyPr lIns="0" tIns="0" rIns="0" bIns="0" rtlCol="0" anchor="t">
             <a:spAutoFit/>
           </a:bodyPr>
           <a:lstStyle/>
@@ -5421,12 +5392,12 @@
       </p:sp>
       <p:sp>
         <p:nvSpPr>
-          <p:cNvPr name="TextBox 21" id="21"/>
-          <p:cNvSpPr txBox="true"/>
+          <p:cNvPr id="21" name="TextBox 21"/>
+          <p:cNvSpPr txBox="1"/>
           <p:nvPr/>
         </p:nvSpPr>
         <p:spPr>
-          <a:xfrm rot="0">
+          <a:xfrm>
             <a:off x="14964657" y="5482753"/>
             <a:ext cx="2871498" cy="1384300"/>
           </a:xfrm>
@@ -5435,7 +5406,7 @@
           </a:prstGeom>
         </p:spPr>
         <p:txBody>
-          <a:bodyPr anchor="t" rtlCol="false" tIns="0" lIns="0" bIns="0" rIns="0">
+          <a:bodyPr lIns="0" tIns="0" rIns="0" bIns="0" rtlCol="0" anchor="t">
             <a:spAutoFit/>
           </a:bodyPr>
           <a:lstStyle/>
@@ -5475,12 +5446,12 @@
       </p:sp>
       <p:sp>
         <p:nvSpPr>
-          <p:cNvPr name="TextBox 22" id="22"/>
-          <p:cNvSpPr txBox="true"/>
+          <p:cNvPr id="22" name="TextBox 22"/>
+          <p:cNvSpPr txBox="1"/>
           <p:nvPr/>
         </p:nvSpPr>
         <p:spPr>
-          <a:xfrm rot="0">
+          <a:xfrm>
             <a:off x="11263201" y="5528244"/>
             <a:ext cx="3280857" cy="1345693"/>
           </a:xfrm>
@@ -5489,7 +5460,7 @@
           </a:prstGeom>
         </p:spPr>
         <p:txBody>
-          <a:bodyPr anchor="t" rtlCol="false" tIns="0" lIns="0" bIns="0" rIns="0">
+          <a:bodyPr lIns="0" tIns="0" rIns="0" bIns="0" rtlCol="0" anchor="t">
             <a:spAutoFit/>
           </a:bodyPr>
           <a:lstStyle/>
@@ -5529,12 +5500,12 @@
       </p:sp>
       <p:sp>
         <p:nvSpPr>
-          <p:cNvPr name="TextBox 23" id="23"/>
-          <p:cNvSpPr txBox="true"/>
+          <p:cNvPr id="23" name="TextBox 23"/>
+          <p:cNvSpPr txBox="1"/>
           <p:nvPr/>
         </p:nvSpPr>
         <p:spPr>
-          <a:xfrm rot="0">
+          <a:xfrm>
             <a:off x="7606685" y="5508940"/>
             <a:ext cx="3380633" cy="1384300"/>
           </a:xfrm>
@@ -5543,7 +5514,7 @@
           </a:prstGeom>
         </p:spPr>
         <p:txBody>
-          <a:bodyPr anchor="t" rtlCol="false" tIns="0" lIns="0" bIns="0" rIns="0">
+          <a:bodyPr lIns="0" tIns="0" rIns="0" bIns="0" rtlCol="0" anchor="t">
             <a:spAutoFit/>
           </a:bodyPr>
           <a:lstStyle/>
@@ -5567,12 +5538,12 @@
       </p:sp>
       <p:grpSp>
         <p:nvGrpSpPr>
-          <p:cNvPr name="Group 24" id="24"/>
+          <p:cNvPr id="24" name="Group 24"/>
           <p:cNvGrpSpPr/>
           <p:nvPr/>
         </p:nvGrpSpPr>
         <p:grpSpPr>
-          <a:xfrm rot="0">
+          <a:xfrm>
             <a:off x="4025205" y="4640825"/>
             <a:ext cx="3255983" cy="3166267"/>
             <a:chOff x="0" y="0"/>
@@ -5581,12 +5552,12 @@
         </p:grpSpPr>
         <p:sp>
           <p:nvSpPr>
-            <p:cNvPr name="Freeform 25" id="25"/>
+            <p:cNvPr id="25" name="Freeform 25"/>
             <p:cNvSpPr/>
             <p:nvPr/>
           </p:nvSpPr>
           <p:spPr>
-            <a:xfrm flipH="false" flipV="false" rot="0">
+            <a:xfrm>
               <a:off x="0" y="0"/>
               <a:ext cx="1148525" cy="1116878"/>
             </a:xfrm>
@@ -5595,9 +5566,9 @@
               <a:gdLst/>
               <a:ahLst/>
               <a:cxnLst/>
-              <a:rect r="r" b="b" t="t" l="l"/>
+              <a:rect l="l" t="t" r="r" b="b"/>
               <a:pathLst>
-                <a:path h="1116878" w="1148525">
+                <a:path w="1148525" h="1116878">
                   <a:moveTo>
                     <a:pt x="121265" y="0"/>
                   </a:moveTo>
@@ -5656,8 +5627,8 @@
         </p:sp>
         <p:sp>
           <p:nvSpPr>
-            <p:cNvPr name="TextBox 26" id="26"/>
-            <p:cNvSpPr txBox="true"/>
+            <p:cNvPr id="26" name="TextBox 26"/>
+            <p:cNvSpPr txBox="1"/>
             <p:nvPr/>
           </p:nvSpPr>
           <p:spPr>
@@ -5670,7 +5641,7 @@
             </a:prstGeom>
           </p:spPr>
           <p:txBody>
-            <a:bodyPr anchor="ctr" rtlCol="false" tIns="50800" lIns="50800" bIns="50800" rIns="50800"/>
+            <a:bodyPr lIns="50800" tIns="50800" rIns="50800" bIns="50800" rtlCol="0" anchor="ctr"/>
             <a:lstStyle/>
             <a:p>
               <a:pPr algn="ctr">
@@ -5678,18 +5649,19 @@
                   <a:spcPts val="2659"/>
                 </a:lnSpc>
               </a:pPr>
+              <a:endParaRPr/>
             </a:p>
           </p:txBody>
         </p:sp>
       </p:grpSp>
       <p:sp>
         <p:nvSpPr>
-          <p:cNvPr name="TextBox 27" id="27"/>
-          <p:cNvSpPr txBox="true"/>
+          <p:cNvPr id="27" name="TextBox 27"/>
+          <p:cNvSpPr txBox="1"/>
           <p:nvPr/>
         </p:nvSpPr>
         <p:spPr>
-          <a:xfrm rot="0">
+          <a:xfrm>
             <a:off x="3867619" y="4171286"/>
             <a:ext cx="3568888" cy="695793"/>
           </a:xfrm>
@@ -5698,7 +5670,7 @@
           </a:prstGeom>
         </p:spPr>
         <p:txBody>
-          <a:bodyPr anchor="t" rtlCol="false" tIns="0" lIns="0" bIns="0" rIns="0">
+          <a:bodyPr lIns="0" tIns="0" rIns="0" bIns="0" rtlCol="0" anchor="t">
             <a:spAutoFit/>
           </a:bodyPr>
           <a:lstStyle/>
@@ -5722,12 +5694,12 @@
       </p:sp>
       <p:sp>
         <p:nvSpPr>
-          <p:cNvPr name="TextBox 28" id="28"/>
-          <p:cNvSpPr txBox="true"/>
+          <p:cNvPr id="28" name="TextBox 28"/>
+          <p:cNvSpPr txBox="1"/>
           <p:nvPr/>
         </p:nvSpPr>
         <p:spPr>
-          <a:xfrm rot="0">
+          <a:xfrm>
             <a:off x="3920430" y="5443125"/>
             <a:ext cx="3360758" cy="1376610"/>
           </a:xfrm>
@@ -5736,7 +5708,7 @@
           </a:prstGeom>
         </p:spPr>
         <p:txBody>
-          <a:bodyPr anchor="t" rtlCol="false" tIns="0" lIns="0" bIns="0" rIns="0">
+          <a:bodyPr lIns="0" tIns="0" rIns="0" bIns="0" rtlCol="0" anchor="t">
             <a:spAutoFit/>
           </a:bodyPr>
           <a:lstStyle/>
@@ -5767,7 +5739,7 @@
 </file>
 
 <file path=ppt/slides/slide3.xml><?xml version="1.0" encoding="utf-8"?>
-<p:sld xmlns:p="http://schemas.openxmlformats.org/presentationml/2006/main" xmlns:a="http://schemas.openxmlformats.org/drawingml/2006/main" xmlns:r="http://schemas.openxmlformats.org/officeDocument/2006/relationships">
+<p:sld xmlns:a="http://schemas.openxmlformats.org/drawingml/2006/main" xmlns:r="http://schemas.openxmlformats.org/officeDocument/2006/relationships" xmlns:p="http://schemas.openxmlformats.org/presentationml/2006/main">
   <p:cSld>
     <p:spTree>
       <p:nvGrpSpPr>
@@ -5785,12 +5757,12 @@
       </p:grpSpPr>
       <p:sp>
         <p:nvSpPr>
-          <p:cNvPr name="Freeform 2" id="2"/>
+          <p:cNvPr id="2" name="Freeform 2"/>
           <p:cNvSpPr/>
           <p:nvPr/>
         </p:nvSpPr>
         <p:spPr>
-          <a:xfrm flipH="false" flipV="false" rot="0">
+          <a:xfrm>
             <a:off x="0" y="0"/>
             <a:ext cx="18288000" cy="10287000"/>
           </a:xfrm>
@@ -5799,9 +5771,9 @@
             <a:gdLst/>
             <a:ahLst/>
             <a:cxnLst/>
-            <a:rect r="r" b="b" t="t" l="l"/>
+            <a:rect l="l" t="t" r="r" b="b"/>
             <a:pathLst>
-              <a:path h="10287000" w="18288000">
+              <a:path w="18288000" h="10287000">
                 <a:moveTo>
                   <a:pt x="0" y="0"/>
                 </a:moveTo>
@@ -5831,12 +5803,12 @@
       </p:sp>
       <p:grpSp>
         <p:nvGrpSpPr>
-          <p:cNvPr name="Group 3" id="3"/>
+          <p:cNvPr id="3" name="Group 3"/>
           <p:cNvGrpSpPr/>
           <p:nvPr/>
         </p:nvGrpSpPr>
         <p:grpSpPr>
-          <a:xfrm rot="0">
+          <a:xfrm>
             <a:off x="1670663" y="4565672"/>
             <a:ext cx="14930799" cy="4144990"/>
             <a:chOff x="0" y="0"/>
@@ -5845,12 +5817,12 @@
         </p:grpSpPr>
         <p:sp>
           <p:nvSpPr>
-            <p:cNvPr name="Freeform 4" id="4"/>
+            <p:cNvPr id="4" name="Freeform 4"/>
             <p:cNvSpPr/>
             <p:nvPr/>
           </p:nvSpPr>
           <p:spPr>
-            <a:xfrm flipH="false" flipV="false" rot="0">
+            <a:xfrm>
               <a:off x="0" y="0"/>
               <a:ext cx="3932391" cy="1091685"/>
             </a:xfrm>
@@ -5859,9 +5831,9 @@
               <a:gdLst/>
               <a:ahLst/>
               <a:cxnLst/>
-              <a:rect r="r" b="b" t="t" l="l"/>
+              <a:rect l="l" t="t" r="r" b="b"/>
               <a:pathLst>
-                <a:path h="1091685" w="3932391">
+                <a:path w="3932391" h="1091685">
                   <a:moveTo>
                     <a:pt x="26445" y="0"/>
                   </a:moveTo>
@@ -5915,8 +5887,8 @@
         </p:sp>
         <p:sp>
           <p:nvSpPr>
-            <p:cNvPr name="TextBox 5" id="5"/>
-            <p:cNvSpPr txBox="true"/>
+            <p:cNvPr id="5" name="TextBox 5"/>
+            <p:cNvSpPr txBox="1"/>
             <p:nvPr/>
           </p:nvSpPr>
           <p:spPr>
@@ -5929,7 +5901,7 @@
             </a:prstGeom>
           </p:spPr>
           <p:txBody>
-            <a:bodyPr anchor="ctr" rtlCol="false" tIns="50800" lIns="50800" bIns="50800" rIns="50800"/>
+            <a:bodyPr lIns="50800" tIns="50800" rIns="50800" bIns="50800" rtlCol="0" anchor="ctr"/>
             <a:lstStyle/>
             <a:p>
               <a:pPr algn="just">
@@ -5944,16 +5916,7 @@
                   </a:solidFill>
                   <a:latin typeface="Noto Sans"/>
                 </a:rPr>
-                <a:t>       Dễ sử dụng, t</a:t>
-              </a:r>
-              <a:r>
-                <a:rPr lang="en-US" sz="4500" spc="6">
-                  <a:solidFill>
-                    <a:srgbClr val="000000"/>
-                  </a:solidFill>
-                  <a:latin typeface="Noto Sans"/>
-                </a:rPr>
-                <a:t>ính linh hoạt và hiệu quả. Loadfocus cung cấp các tính năng mạnh mẽ để kiểm thử hiệu suất, kiểm thử tải và kiểm thử chức năng cho các ứng dụng phần mềm.</a:t>
+                <a:t>       Dễ sử dụng, tính linh hoạt và hiệu quả. Loadfocus cung cấp các tính năng mạnh mẽ để kiểm thử hiệu suất, kiểm thử tải và kiểm thử chức năng cho các ứng dụng phần mềm.</a:t>
               </a:r>
             </a:p>
             <a:p>
@@ -5965,18 +5928,24 @@
                   <a:spcPct val="0"/>
                 </a:spcBef>
               </a:pPr>
+              <a:endParaRPr lang="en-US" sz="4500" spc="6">
+                <a:solidFill>
+                  <a:srgbClr val="000000"/>
+                </a:solidFill>
+                <a:latin typeface="Noto Sans"/>
+              </a:endParaRPr>
             </a:p>
           </p:txBody>
         </p:sp>
       </p:grpSp>
       <p:sp>
         <p:nvSpPr>
-          <p:cNvPr name="Freeform 6" id="6"/>
+          <p:cNvPr id="6" name="Freeform 6"/>
           <p:cNvSpPr/>
           <p:nvPr/>
         </p:nvSpPr>
         <p:spPr>
-          <a:xfrm flipH="false" flipV="false" rot="0">
+          <a:xfrm>
             <a:off x="12295536" y="1028700"/>
             <a:ext cx="4963764" cy="2928413"/>
           </a:xfrm>
@@ -5985,9 +5954,9 @@
             <a:gdLst/>
             <a:ahLst/>
             <a:cxnLst/>
-            <a:rect r="r" b="b" t="t" l="l"/>
+            <a:rect l="l" t="t" r="r" b="b"/>
             <a:pathLst>
-              <a:path h="2928413" w="4963764">
+              <a:path w="4963764" h="2928413">
                 <a:moveTo>
                   <a:pt x="0" y="0"/>
                 </a:moveTo>
@@ -6010,19 +5979,19 @@
           <a:blipFill>
             <a:blip r:embed="rId3"/>
             <a:stretch>
-              <a:fillRect l="0" t="0" r="0" b="0"/>
+              <a:fillRect/>
             </a:stretch>
           </a:blipFill>
         </p:spPr>
       </p:sp>
       <p:sp>
         <p:nvSpPr>
-          <p:cNvPr name="TextBox 7" id="7"/>
-          <p:cNvSpPr txBox="true"/>
+          <p:cNvPr id="7" name="TextBox 7"/>
+          <p:cNvSpPr txBox="1"/>
           <p:nvPr/>
         </p:nvSpPr>
         <p:spPr>
-          <a:xfrm rot="0">
+          <a:xfrm>
             <a:off x="841075" y="895350"/>
             <a:ext cx="12993600" cy="2432050"/>
           </a:xfrm>
@@ -6031,7 +6000,7 @@
           </a:prstGeom>
         </p:spPr>
         <p:txBody>
-          <a:bodyPr anchor="t" rtlCol="false" tIns="0" lIns="0" bIns="0" rIns="0">
+          <a:bodyPr lIns="0" tIns="0" rIns="0" bIns="0" rtlCol="0" anchor="t">
             <a:spAutoFit/>
           </a:bodyPr>
           <a:lstStyle/>
@@ -6078,7 +6047,7 @@
 </file>
 
 <file path=ppt/slides/slide4.xml><?xml version="1.0" encoding="utf-8"?>
-<p:sld xmlns:p="http://schemas.openxmlformats.org/presentationml/2006/main" xmlns:a="http://schemas.openxmlformats.org/drawingml/2006/main" xmlns:r="http://schemas.openxmlformats.org/officeDocument/2006/relationships">
+<p:sld xmlns:a="http://schemas.openxmlformats.org/drawingml/2006/main" xmlns:r="http://schemas.openxmlformats.org/officeDocument/2006/relationships" xmlns:p="http://schemas.openxmlformats.org/presentationml/2006/main">
   <p:cSld>
     <p:spTree>
       <p:nvGrpSpPr>
@@ -6096,12 +6065,12 @@
       </p:grpSpPr>
       <p:sp>
         <p:nvSpPr>
-          <p:cNvPr name="Freeform 2" id="2"/>
+          <p:cNvPr id="2" name="Freeform 2"/>
           <p:cNvSpPr/>
           <p:nvPr/>
         </p:nvSpPr>
         <p:spPr>
-          <a:xfrm flipH="false" flipV="false" rot="0">
+          <a:xfrm>
             <a:off x="0" y="0"/>
             <a:ext cx="18288000" cy="10287000"/>
           </a:xfrm>
@@ -6110,9 +6079,9 @@
             <a:gdLst/>
             <a:ahLst/>
             <a:cxnLst/>
-            <a:rect r="r" b="b" t="t" l="l"/>
+            <a:rect l="l" t="t" r="r" b="b"/>
             <a:pathLst>
-              <a:path h="10287000" w="18288000">
+              <a:path w="18288000" h="10287000">
                 <a:moveTo>
                   <a:pt x="0" y="0"/>
                 </a:moveTo>
@@ -6142,12 +6111,12 @@
       </p:sp>
       <p:sp>
         <p:nvSpPr>
-          <p:cNvPr name="Freeform 3" id="3"/>
+          <p:cNvPr id="3" name="Freeform 3"/>
           <p:cNvSpPr/>
           <p:nvPr/>
         </p:nvSpPr>
         <p:spPr>
-          <a:xfrm flipH="false" flipV="false" rot="0">
+          <a:xfrm>
             <a:off x="12978030" y="3750123"/>
             <a:ext cx="4985800" cy="4975417"/>
           </a:xfrm>
@@ -6156,9 +6125,9 @@
             <a:gdLst/>
             <a:ahLst/>
             <a:cxnLst/>
-            <a:rect r="r" b="b" t="t" l="l"/>
+            <a:rect l="l" t="t" r="r" b="b"/>
             <a:pathLst>
-              <a:path h="4975417" w="4985800">
+              <a:path w="4985800" h="4975417">
                 <a:moveTo>
                   <a:pt x="0" y="0"/>
                 </a:moveTo>
@@ -6181,19 +6150,19 @@
           <a:blipFill>
             <a:blip r:embed="rId3"/>
             <a:stretch>
-              <a:fillRect l="0" t="-104" r="0" b="-104"/>
+              <a:fillRect t="-104" b="-104"/>
             </a:stretch>
           </a:blipFill>
         </p:spPr>
       </p:sp>
       <p:grpSp>
         <p:nvGrpSpPr>
-          <p:cNvPr name="Group 4" id="4"/>
+          <p:cNvPr id="4" name="Group 4"/>
           <p:cNvGrpSpPr/>
           <p:nvPr/>
         </p:nvGrpSpPr>
         <p:grpSpPr>
-          <a:xfrm rot="0">
+          <a:xfrm>
             <a:off x="876913" y="3407863"/>
             <a:ext cx="11917887" cy="5659937"/>
             <a:chOff x="0" y="0"/>
@@ -6202,12 +6171,12 @@
         </p:grpSpPr>
         <p:sp>
           <p:nvSpPr>
-            <p:cNvPr name="Freeform 5" id="5"/>
+            <p:cNvPr id="5" name="Freeform 5"/>
             <p:cNvSpPr/>
             <p:nvPr/>
           </p:nvSpPr>
           <p:spPr>
-            <a:xfrm flipH="false" flipV="false" rot="0">
+            <a:xfrm>
               <a:off x="0" y="0"/>
               <a:ext cx="3138867" cy="1490683"/>
             </a:xfrm>
@@ -6216,9 +6185,9 @@
               <a:gdLst/>
               <a:ahLst/>
               <a:cxnLst/>
-              <a:rect r="r" b="b" t="t" l="l"/>
+              <a:rect l="l" t="t" r="r" b="b"/>
               <a:pathLst>
-                <a:path h="1490683" w="3138867">
+                <a:path w="3138867" h="1490683">
                   <a:moveTo>
                     <a:pt x="33130" y="0"/>
                   </a:moveTo>
@@ -6282,8 +6251,8 @@
         </p:sp>
         <p:sp>
           <p:nvSpPr>
-            <p:cNvPr name="TextBox 6" id="6"/>
-            <p:cNvSpPr txBox="true"/>
+            <p:cNvPr id="6" name="TextBox 6"/>
+            <p:cNvSpPr txBox="1"/>
             <p:nvPr/>
           </p:nvSpPr>
           <p:spPr>
@@ -6296,7 +6265,7 @@
             </a:prstGeom>
           </p:spPr>
           <p:txBody>
-            <a:bodyPr anchor="ctr" rtlCol="false" tIns="50800" lIns="50800" bIns="50800" rIns="50800"/>
+            <a:bodyPr lIns="50800" tIns="50800" rIns="50800" bIns="50800" rtlCol="0" anchor="ctr"/>
             <a:lstStyle/>
             <a:p>
               <a:pPr algn="just">
@@ -6307,18 +6276,19 @@
                   <a:spcPct val="0"/>
                 </a:spcBef>
               </a:pPr>
+              <a:endParaRPr/>
             </a:p>
           </p:txBody>
         </p:sp>
       </p:grpSp>
       <p:sp>
         <p:nvSpPr>
-          <p:cNvPr name="TextBox 7" id="7"/>
-          <p:cNvSpPr txBox="true"/>
+          <p:cNvPr id="7" name="TextBox 7"/>
+          <p:cNvSpPr txBox="1"/>
           <p:nvPr/>
         </p:nvSpPr>
         <p:spPr>
-          <a:xfrm rot="0">
+          <a:xfrm>
             <a:off x="876913" y="895350"/>
             <a:ext cx="12993600" cy="1193800"/>
           </a:xfrm>
@@ -6327,7 +6297,7 @@
           </a:prstGeom>
         </p:spPr>
         <p:txBody>
-          <a:bodyPr anchor="t" rtlCol="false" tIns="0" lIns="0" bIns="0" rIns="0">
+          <a:bodyPr lIns="0" tIns="0" rIns="0" bIns="0" rtlCol="0" anchor="t">
             <a:spAutoFit/>
           </a:bodyPr>
           <a:lstStyle/>
@@ -6351,12 +6321,12 @@
       </p:sp>
       <p:sp>
         <p:nvSpPr>
-          <p:cNvPr name="TextBox 8" id="8"/>
-          <p:cNvSpPr txBox="true"/>
+          <p:cNvPr id="8" name="TextBox 8"/>
+          <p:cNvSpPr txBox="1"/>
           <p:nvPr/>
         </p:nvSpPr>
         <p:spPr>
-          <a:xfrm rot="0">
+          <a:xfrm>
             <a:off x="876913" y="3704142"/>
             <a:ext cx="11558580" cy="4690685"/>
           </a:xfrm>
@@ -6365,12 +6335,12 @@
           </a:prstGeom>
         </p:spPr>
         <p:txBody>
-          <a:bodyPr anchor="t" rtlCol="false" tIns="0" lIns="0" bIns="0" rIns="0">
+          <a:bodyPr lIns="0" tIns="0" rIns="0" bIns="0" rtlCol="0" anchor="t">
             <a:spAutoFit/>
           </a:bodyPr>
           <a:lstStyle/>
           <a:p>
-            <a:pPr algn="just" marL="818795" indent="-409398" lvl="1">
+            <a:pPr marL="818795" lvl="1" indent="-409398" algn="just">
               <a:lnSpc>
                 <a:spcPts val="5309"/>
               </a:lnSpc>
@@ -6388,7 +6358,7 @@
             </a:r>
           </a:p>
           <a:p>
-            <a:pPr algn="just" marL="818795" indent="-409398" lvl="1">
+            <a:pPr marL="818795" lvl="1" indent="-409398" algn="just">
               <a:lnSpc>
                 <a:spcPts val="5309"/>
               </a:lnSpc>
@@ -6406,7 +6376,7 @@
             </a:r>
           </a:p>
           <a:p>
-            <a:pPr algn="just" marL="818795" indent="-409398" lvl="1">
+            <a:pPr marL="818795" lvl="1" indent="-409398" algn="just">
               <a:lnSpc>
                 <a:spcPts val="5309"/>
               </a:lnSpc>
@@ -6424,7 +6394,7 @@
             </a:r>
           </a:p>
           <a:p>
-            <a:pPr algn="just" marL="818795" indent="-409398" lvl="1">
+            <a:pPr marL="818795" lvl="1" indent="-409398" algn="just">
               <a:lnSpc>
                 <a:spcPts val="5309"/>
               </a:lnSpc>
@@ -6452,7 +6422,7 @@
 </file>
 
 <file path=ppt/slides/slide5.xml><?xml version="1.0" encoding="utf-8"?>
-<p:sld xmlns:p="http://schemas.openxmlformats.org/presentationml/2006/main" xmlns:a="http://schemas.openxmlformats.org/drawingml/2006/main" xmlns:r="http://schemas.openxmlformats.org/officeDocument/2006/relationships">
+<p:sld xmlns:a="http://schemas.openxmlformats.org/drawingml/2006/main" xmlns:r="http://schemas.openxmlformats.org/officeDocument/2006/relationships" xmlns:p="http://schemas.openxmlformats.org/presentationml/2006/main">
   <p:cSld>
     <p:spTree>
       <p:nvGrpSpPr>
@@ -6470,12 +6440,12 @@
       </p:grpSpPr>
       <p:sp>
         <p:nvSpPr>
-          <p:cNvPr name="Freeform 2" id="2"/>
+          <p:cNvPr id="2" name="Freeform 2"/>
           <p:cNvSpPr/>
           <p:nvPr/>
         </p:nvSpPr>
         <p:spPr>
-          <a:xfrm flipH="false" flipV="false" rot="0">
+          <a:xfrm>
             <a:off x="0" y="0"/>
             <a:ext cx="18288000" cy="10287000"/>
           </a:xfrm>
@@ -6484,9 +6454,9 @@
             <a:gdLst/>
             <a:ahLst/>
             <a:cxnLst/>
-            <a:rect r="r" b="b" t="t" l="l"/>
+            <a:rect l="l" t="t" r="r" b="b"/>
             <a:pathLst>
-              <a:path h="10287000" w="18288000">
+              <a:path w="18288000" h="10287000">
                 <a:moveTo>
                   <a:pt x="0" y="0"/>
                 </a:moveTo>
@@ -6516,12 +6486,12 @@
       </p:sp>
       <p:grpSp>
         <p:nvGrpSpPr>
-          <p:cNvPr name="Group 3" id="3"/>
+          <p:cNvPr id="3" name="Group 3"/>
           <p:cNvGrpSpPr/>
           <p:nvPr/>
         </p:nvGrpSpPr>
         <p:grpSpPr>
-          <a:xfrm rot="0">
+          <a:xfrm>
             <a:off x="2073497" y="4616610"/>
             <a:ext cx="13780443" cy="4641690"/>
             <a:chOff x="0" y="0"/>
@@ -6530,12 +6500,12 @@
         </p:grpSpPr>
         <p:sp>
           <p:nvSpPr>
-            <p:cNvPr name="Freeform 4" id="4"/>
+            <p:cNvPr id="4" name="Freeform 4"/>
             <p:cNvSpPr/>
             <p:nvPr/>
           </p:nvSpPr>
           <p:spPr>
-            <a:xfrm flipH="false" flipV="false" rot="0">
+            <a:xfrm>
               <a:off x="0" y="0"/>
               <a:ext cx="3843381" cy="1294573"/>
             </a:xfrm>
@@ -6544,9 +6514,9 @@
               <a:gdLst/>
               <a:ahLst/>
               <a:cxnLst/>
-              <a:rect r="r" b="b" t="t" l="l"/>
+              <a:rect l="l" t="t" r="r" b="b"/>
               <a:pathLst>
-                <a:path h="1294573" w="3843381">
+                <a:path w="3843381" h="1294573">
                   <a:moveTo>
                     <a:pt x="28652" y="0"/>
                   </a:moveTo>
@@ -6605,8 +6575,8 @@
         </p:sp>
         <p:sp>
           <p:nvSpPr>
-            <p:cNvPr name="TextBox 5" id="5"/>
-            <p:cNvSpPr txBox="true"/>
+            <p:cNvPr id="5" name="TextBox 5"/>
+            <p:cNvSpPr txBox="1"/>
             <p:nvPr/>
           </p:nvSpPr>
           <p:spPr>
@@ -6619,7 +6589,7 @@
             </a:prstGeom>
           </p:spPr>
           <p:txBody>
-            <a:bodyPr anchor="ctr" rtlCol="false" tIns="50800" lIns="50800" bIns="50800" rIns="50800"/>
+            <a:bodyPr lIns="50800" tIns="50800" rIns="50800" bIns="50800" rtlCol="0" anchor="ctr"/>
             <a:lstStyle/>
             <a:p>
               <a:pPr algn="ctr">
@@ -6630,18 +6600,19 @@
                   <a:spcPct val="0"/>
                 </a:spcBef>
               </a:pPr>
+              <a:endParaRPr/>
             </a:p>
           </p:txBody>
         </p:sp>
       </p:grpSp>
       <p:sp>
         <p:nvSpPr>
-          <p:cNvPr name="Freeform 6" id="6"/>
+          <p:cNvPr id="6" name="Freeform 6"/>
           <p:cNvSpPr/>
           <p:nvPr/>
         </p:nvSpPr>
         <p:spPr>
-          <a:xfrm flipH="false" flipV="false" rot="0">
+          <a:xfrm>
             <a:off x="11469634" y="-269710"/>
             <a:ext cx="5789666" cy="4678518"/>
           </a:xfrm>
@@ -6650,9 +6621,9 @@
             <a:gdLst/>
             <a:ahLst/>
             <a:cxnLst/>
-            <a:rect r="r" b="b" t="t" l="l"/>
+            <a:rect l="l" t="t" r="r" b="b"/>
             <a:pathLst>
-              <a:path h="4678518" w="5789666">
+              <a:path w="5789666" h="4678518">
                 <a:moveTo>
                   <a:pt x="0" y="0"/>
                 </a:moveTo>
@@ -6675,19 +6646,19 @@
           <a:blipFill>
             <a:blip r:embed="rId3"/>
             <a:stretch>
-              <a:fillRect l="0" t="0" r="0" b="0"/>
+              <a:fillRect/>
             </a:stretch>
           </a:blipFill>
         </p:spPr>
       </p:sp>
       <p:sp>
         <p:nvSpPr>
-          <p:cNvPr name="TextBox 7" id="7"/>
-          <p:cNvSpPr txBox="true"/>
+          <p:cNvPr id="7" name="TextBox 7"/>
+          <p:cNvSpPr txBox="1"/>
           <p:nvPr/>
         </p:nvSpPr>
         <p:spPr>
-          <a:xfrm rot="0">
+          <a:xfrm>
             <a:off x="2323355" y="5117340"/>
             <a:ext cx="13891148" cy="3535455"/>
           </a:xfrm>
@@ -6696,7 +6667,7 @@
           </a:prstGeom>
         </p:spPr>
         <p:txBody>
-          <a:bodyPr anchor="t" rtlCol="false" tIns="0" lIns="0" bIns="0" rIns="0">
+          <a:bodyPr lIns="0" tIns="0" rIns="0" bIns="0" rtlCol="0" anchor="t">
             <a:spAutoFit/>
           </a:bodyPr>
           <a:lstStyle/>
@@ -6720,12 +6691,12 @@
       </p:sp>
       <p:sp>
         <p:nvSpPr>
-          <p:cNvPr name="TextBox 8" id="8"/>
-          <p:cNvSpPr txBox="true"/>
+          <p:cNvPr id="8" name="TextBox 8"/>
+          <p:cNvSpPr txBox="1"/>
           <p:nvPr/>
         </p:nvSpPr>
         <p:spPr>
-          <a:xfrm rot="0">
+          <a:xfrm>
             <a:off x="1028700" y="904875"/>
             <a:ext cx="11386768" cy="2205523"/>
           </a:xfrm>
@@ -6734,7 +6705,7 @@
           </a:prstGeom>
         </p:spPr>
         <p:txBody>
-          <a:bodyPr anchor="t" rtlCol="false" tIns="0" lIns="0" bIns="0" rIns="0">
+          <a:bodyPr lIns="0" tIns="0" rIns="0" bIns="0" rtlCol="0" anchor="t">
             <a:spAutoFit/>
           </a:bodyPr>
           <a:lstStyle/>
@@ -6765,7 +6736,7 @@
 </file>
 
 <file path=ppt/slides/slide6.xml><?xml version="1.0" encoding="utf-8"?>
-<p:sld xmlns:p="http://schemas.openxmlformats.org/presentationml/2006/main" xmlns:a="http://schemas.openxmlformats.org/drawingml/2006/main" xmlns:r="http://schemas.openxmlformats.org/officeDocument/2006/relationships">
+<p:sld xmlns:a="http://schemas.openxmlformats.org/drawingml/2006/main" xmlns:r="http://schemas.openxmlformats.org/officeDocument/2006/relationships" xmlns:p="http://schemas.openxmlformats.org/presentationml/2006/main">
   <p:cSld>
     <p:spTree>
       <p:nvGrpSpPr>
@@ -6783,12 +6754,12 @@
       </p:grpSpPr>
       <p:sp>
         <p:nvSpPr>
-          <p:cNvPr name="Freeform 2" id="2"/>
+          <p:cNvPr id="2" name="Freeform 2"/>
           <p:cNvSpPr/>
           <p:nvPr/>
         </p:nvSpPr>
         <p:spPr>
-          <a:xfrm flipH="false" flipV="false" rot="0">
+          <a:xfrm>
             <a:off x="0" y="0"/>
             <a:ext cx="18288000" cy="10287000"/>
           </a:xfrm>
@@ -6797,9 +6768,9 @@
             <a:gdLst/>
             <a:ahLst/>
             <a:cxnLst/>
-            <a:rect r="r" b="b" t="t" l="l"/>
+            <a:rect l="l" t="t" r="r" b="b"/>
             <a:pathLst>
-              <a:path h="10287000" w="18288000">
+              <a:path w="18288000" h="10287000">
                 <a:moveTo>
                   <a:pt x="0" y="0"/>
                 </a:moveTo>
@@ -6829,12 +6800,12 @@
       </p:sp>
       <p:grpSp>
         <p:nvGrpSpPr>
-          <p:cNvPr name="Group 3" id="3"/>
+          <p:cNvPr id="3" name="Group 3"/>
           <p:cNvGrpSpPr/>
           <p:nvPr/>
         </p:nvGrpSpPr>
         <p:grpSpPr>
-          <a:xfrm rot="0">
+          <a:xfrm>
             <a:off x="1028700" y="1028700"/>
             <a:ext cx="16230600" cy="8229600"/>
             <a:chOff x="0" y="0"/>
@@ -6843,12 +6814,12 @@
         </p:grpSpPr>
         <p:sp>
           <p:nvSpPr>
-            <p:cNvPr name="Freeform 4" id="4"/>
+            <p:cNvPr id="4" name="Freeform 4"/>
             <p:cNvSpPr/>
             <p:nvPr/>
           </p:nvSpPr>
           <p:spPr>
-            <a:xfrm flipH="false" flipV="false" rot="0">
+            <a:xfrm>
               <a:off x="0" y="0"/>
               <a:ext cx="4274726" cy="2167467"/>
             </a:xfrm>
@@ -6857,9 +6828,9 @@
               <a:gdLst/>
               <a:ahLst/>
               <a:cxnLst/>
-              <a:rect r="r" b="b" t="t" l="l"/>
+              <a:rect l="l" t="t" r="r" b="b"/>
               <a:pathLst>
-                <a:path h="2167467" w="4274726">
+                <a:path w="4274726" h="2167467">
                   <a:moveTo>
                     <a:pt x="24327" y="0"/>
                   </a:moveTo>
@@ -6913,8 +6884,8 @@
         </p:sp>
         <p:sp>
           <p:nvSpPr>
-            <p:cNvPr name="TextBox 5" id="5"/>
-            <p:cNvSpPr txBox="true"/>
+            <p:cNvPr id="5" name="TextBox 5"/>
+            <p:cNvSpPr txBox="1"/>
             <p:nvPr/>
           </p:nvSpPr>
           <p:spPr>
@@ -6927,7 +6898,7 @@
             </a:prstGeom>
           </p:spPr>
           <p:txBody>
-            <a:bodyPr anchor="ctr" rtlCol="false" tIns="50800" lIns="50800" bIns="50800" rIns="50800"/>
+            <a:bodyPr lIns="50800" tIns="50800" rIns="50800" bIns="50800" rtlCol="0" anchor="ctr"/>
             <a:lstStyle/>
             <a:p>
               <a:pPr algn="ctr">
@@ -6938,18 +6909,19 @@
                   <a:spcPct val="0"/>
                 </a:spcBef>
               </a:pPr>
+              <a:endParaRPr/>
             </a:p>
           </p:txBody>
         </p:sp>
       </p:grpSp>
       <p:sp>
         <p:nvSpPr>
-          <p:cNvPr name="Freeform 6" id="6"/>
+          <p:cNvPr id="6" name="Freeform 6"/>
           <p:cNvSpPr/>
           <p:nvPr/>
         </p:nvSpPr>
         <p:spPr>
-          <a:xfrm flipH="false" flipV="false" rot="0">
+          <a:xfrm>
             <a:off x="12337601" y="3475234"/>
             <a:ext cx="5477680" cy="5331609"/>
           </a:xfrm>
@@ -6958,9 +6930,9 @@
             <a:gdLst/>
             <a:ahLst/>
             <a:cxnLst/>
-            <a:rect r="r" b="b" t="t" l="l"/>
+            <a:rect l="l" t="t" r="r" b="b"/>
             <a:pathLst>
-              <a:path h="5331609" w="5477680">
+              <a:path w="5477680" h="5331609">
                 <a:moveTo>
                   <a:pt x="0" y="0"/>
                 </a:moveTo>
@@ -6983,19 +6955,19 @@
           <a:blipFill>
             <a:blip r:embed="rId3"/>
             <a:stretch>
-              <a:fillRect l="0" t="0" r="0" b="0"/>
+              <a:fillRect/>
             </a:stretch>
           </a:blipFill>
         </p:spPr>
       </p:sp>
       <p:sp>
         <p:nvSpPr>
-          <p:cNvPr name="TextBox 7" id="7"/>
-          <p:cNvSpPr txBox="true"/>
+          <p:cNvPr id="7" name="TextBox 7"/>
+          <p:cNvSpPr txBox="1"/>
           <p:nvPr/>
         </p:nvSpPr>
         <p:spPr>
-          <a:xfrm rot="0">
+          <a:xfrm>
             <a:off x="3679044" y="1681541"/>
             <a:ext cx="10929913" cy="1193800"/>
           </a:xfrm>
@@ -7004,7 +6976,7 @@
           </a:prstGeom>
         </p:spPr>
         <p:txBody>
-          <a:bodyPr anchor="t" rtlCol="false" tIns="0" lIns="0" bIns="0" rIns="0">
+          <a:bodyPr lIns="0" tIns="0" rIns="0" bIns="0" rtlCol="0" anchor="t">
             <a:spAutoFit/>
           </a:bodyPr>
           <a:lstStyle/>
@@ -7028,12 +7000,12 @@
       </p:sp>
       <p:sp>
         <p:nvSpPr>
-          <p:cNvPr name="TextBox 8" id="8"/>
-          <p:cNvSpPr txBox="true"/>
+          <p:cNvPr id="8" name="TextBox 8"/>
+          <p:cNvSpPr txBox="1"/>
           <p:nvPr/>
         </p:nvSpPr>
         <p:spPr>
-          <a:xfrm rot="0">
+          <a:xfrm>
             <a:off x="1978052" y="3634058"/>
             <a:ext cx="14331896" cy="2506980"/>
           </a:xfrm>
@@ -7042,12 +7014,12 @@
           </a:prstGeom>
         </p:spPr>
         <p:txBody>
-          <a:bodyPr anchor="t" rtlCol="false" tIns="0" lIns="0" bIns="0" rIns="0">
+          <a:bodyPr lIns="0" tIns="0" rIns="0" bIns="0" rtlCol="0" anchor="t">
             <a:spAutoFit/>
           </a:bodyPr>
           <a:lstStyle/>
           <a:p>
-            <a:pPr algn="l" marL="1036320" indent="-518160" lvl="1">
+            <a:pPr marL="1036320" lvl="1" indent="-518160" algn="l">
               <a:lnSpc>
                 <a:spcPts val="6719"/>
               </a:lnSpc>
@@ -7065,7 +7037,7 @@
             </a:r>
           </a:p>
           <a:p>
-            <a:pPr algn="l" marL="1036320" indent="-518160" lvl="1">
+            <a:pPr marL="1036320" lvl="1" indent="-518160" algn="l">
               <a:lnSpc>
                 <a:spcPts val="6719"/>
               </a:lnSpc>
@@ -7083,7 +7055,7 @@
             </a:r>
           </a:p>
           <a:p>
-            <a:pPr algn="l" marL="1036320" indent="-518160" lvl="1">
+            <a:pPr marL="1036320" lvl="1" indent="-518160" algn="l">
               <a:lnSpc>
                 <a:spcPts val="6719"/>
               </a:lnSpc>
@@ -7111,7 +7083,7 @@
 </file>
 
 <file path=ppt/slides/slide7.xml><?xml version="1.0" encoding="utf-8"?>
-<p:sld xmlns:p="http://schemas.openxmlformats.org/presentationml/2006/main" xmlns:a="http://schemas.openxmlformats.org/drawingml/2006/main" xmlns:r="http://schemas.openxmlformats.org/officeDocument/2006/relationships">
+<p:sld xmlns:a="http://schemas.openxmlformats.org/drawingml/2006/main" xmlns:r="http://schemas.openxmlformats.org/officeDocument/2006/relationships" xmlns:p="http://schemas.openxmlformats.org/presentationml/2006/main">
   <p:cSld>
     <p:spTree>
       <p:nvGrpSpPr>
@@ -7129,12 +7101,12 @@
       </p:grpSpPr>
       <p:sp>
         <p:nvSpPr>
-          <p:cNvPr name="Freeform 2" id="2"/>
+          <p:cNvPr id="2" name="Freeform 2"/>
           <p:cNvSpPr/>
           <p:nvPr/>
         </p:nvSpPr>
         <p:spPr>
-          <a:xfrm flipH="false" flipV="false" rot="0">
+          <a:xfrm>
             <a:off x="0" y="0"/>
             <a:ext cx="18288000" cy="10287000"/>
           </a:xfrm>
@@ -7143,9 +7115,9 @@
             <a:gdLst/>
             <a:ahLst/>
             <a:cxnLst/>
-            <a:rect r="r" b="b" t="t" l="l"/>
+            <a:rect l="l" t="t" r="r" b="b"/>
             <a:pathLst>
-              <a:path h="10287000" w="18288000">
+              <a:path w="18288000" h="10287000">
                 <a:moveTo>
                   <a:pt x="0" y="0"/>
                 </a:moveTo>
@@ -7175,12 +7147,12 @@
       </p:sp>
       <p:grpSp>
         <p:nvGrpSpPr>
-          <p:cNvPr name="Group 3" id="3"/>
+          <p:cNvPr id="3" name="Group 3"/>
           <p:cNvGrpSpPr/>
           <p:nvPr/>
         </p:nvGrpSpPr>
         <p:grpSpPr>
-          <a:xfrm rot="0">
+          <a:xfrm>
             <a:off x="1028700" y="1028700"/>
             <a:ext cx="16230600" cy="8229600"/>
             <a:chOff x="0" y="0"/>
@@ -7189,12 +7161,12 @@
         </p:grpSpPr>
         <p:sp>
           <p:nvSpPr>
-            <p:cNvPr name="Freeform 4" id="4"/>
+            <p:cNvPr id="4" name="Freeform 4"/>
             <p:cNvSpPr/>
             <p:nvPr/>
           </p:nvSpPr>
           <p:spPr>
-            <a:xfrm flipH="false" flipV="false" rot="0">
+            <a:xfrm>
               <a:off x="0" y="0"/>
               <a:ext cx="4274726" cy="2167467"/>
             </a:xfrm>
@@ -7203,9 +7175,9 @@
               <a:gdLst/>
               <a:ahLst/>
               <a:cxnLst/>
-              <a:rect r="r" b="b" t="t" l="l"/>
+              <a:rect l="l" t="t" r="r" b="b"/>
               <a:pathLst>
-                <a:path h="2167467" w="4274726">
+                <a:path w="4274726" h="2167467">
                   <a:moveTo>
                     <a:pt x="24327" y="0"/>
                   </a:moveTo>
@@ -7259,8 +7231,8 @@
         </p:sp>
         <p:sp>
           <p:nvSpPr>
-            <p:cNvPr name="TextBox 5" id="5"/>
-            <p:cNvSpPr txBox="true"/>
+            <p:cNvPr id="5" name="TextBox 5"/>
+            <p:cNvSpPr txBox="1"/>
             <p:nvPr/>
           </p:nvSpPr>
           <p:spPr>
@@ -7273,7 +7245,7 @@
             </a:prstGeom>
           </p:spPr>
           <p:txBody>
-            <a:bodyPr anchor="ctr" rtlCol="false" tIns="50800" lIns="50800" bIns="50800" rIns="50800"/>
+            <a:bodyPr lIns="50800" tIns="50800" rIns="50800" bIns="50800" rtlCol="0" anchor="ctr"/>
             <a:lstStyle/>
             <a:p>
               <a:pPr algn="ctr">
@@ -7284,18 +7256,19 @@
                   <a:spcPct val="0"/>
                 </a:spcBef>
               </a:pPr>
+              <a:endParaRPr/>
             </a:p>
           </p:txBody>
         </p:sp>
       </p:grpSp>
       <p:sp>
         <p:nvSpPr>
-          <p:cNvPr name="TextBox 6" id="6"/>
-          <p:cNvSpPr txBox="true"/>
+          <p:cNvPr id="6" name="TextBox 6"/>
+          <p:cNvSpPr txBox="1"/>
           <p:nvPr/>
         </p:nvSpPr>
         <p:spPr>
-          <a:xfrm rot="0">
+          <a:xfrm>
             <a:off x="2051890" y="3763254"/>
             <a:ext cx="14184220" cy="4202430"/>
           </a:xfrm>
@@ -7304,7 +7277,7 @@
           </a:prstGeom>
         </p:spPr>
         <p:txBody>
-          <a:bodyPr anchor="t" rtlCol="false" tIns="0" lIns="0" bIns="0" rIns="0">
+          <a:bodyPr lIns="0" tIns="0" rIns="0" bIns="0" rtlCol="0" anchor="t">
             <a:spAutoFit/>
           </a:bodyPr>
           <a:lstStyle/>
@@ -7328,12 +7301,12 @@
       </p:sp>
       <p:sp>
         <p:nvSpPr>
-          <p:cNvPr name="TextBox 7" id="7"/>
-          <p:cNvSpPr txBox="true"/>
+          <p:cNvPr id="7" name="TextBox 7"/>
+          <p:cNvSpPr txBox="1"/>
           <p:nvPr/>
         </p:nvSpPr>
         <p:spPr>
-          <a:xfrm rot="0">
+          <a:xfrm>
             <a:off x="2488048" y="1646353"/>
             <a:ext cx="13311904" cy="1193800"/>
           </a:xfrm>
@@ -7342,7 +7315,7 @@
           </a:prstGeom>
         </p:spPr>
         <p:txBody>
-          <a:bodyPr anchor="t" rtlCol="false" tIns="0" lIns="0" bIns="0" rIns="0">
+          <a:bodyPr lIns="0" tIns="0" rIns="0" bIns="0" rtlCol="0" anchor="t">
             <a:spAutoFit/>
           </a:bodyPr>
           <a:lstStyle/>
@@ -7373,7 +7346,7 @@
 </file>
 
 <file path=ppt/slides/slide8.xml><?xml version="1.0" encoding="utf-8"?>
-<p:sld xmlns:p="http://schemas.openxmlformats.org/presentationml/2006/main" xmlns:a="http://schemas.openxmlformats.org/drawingml/2006/main" xmlns:r="http://schemas.openxmlformats.org/officeDocument/2006/relationships">
+<p:sld xmlns:a="http://schemas.openxmlformats.org/drawingml/2006/main" xmlns:r="http://schemas.openxmlformats.org/officeDocument/2006/relationships" xmlns:p="http://schemas.openxmlformats.org/presentationml/2006/main">
   <p:cSld>
     <p:spTree>
       <p:nvGrpSpPr>
@@ -7391,12 +7364,12 @@
       </p:grpSpPr>
       <p:sp>
         <p:nvSpPr>
-          <p:cNvPr name="Freeform 2" id="2"/>
+          <p:cNvPr id="2" name="Freeform 2"/>
           <p:cNvSpPr/>
           <p:nvPr/>
         </p:nvSpPr>
         <p:spPr>
-          <a:xfrm flipH="false" flipV="false" rot="0">
+          <a:xfrm>
             <a:off x="0" y="0"/>
             <a:ext cx="18288000" cy="10287000"/>
           </a:xfrm>
@@ -7405,9 +7378,9 @@
             <a:gdLst/>
             <a:ahLst/>
             <a:cxnLst/>
-            <a:rect r="r" b="b" t="t" l="l"/>
+            <a:rect l="l" t="t" r="r" b="b"/>
             <a:pathLst>
-              <a:path h="10287000" w="18288000">
+              <a:path w="18288000" h="10287000">
                 <a:moveTo>
                   <a:pt x="0" y="0"/>
                 </a:moveTo>
@@ -7434,16 +7407,23 @@
             </a:stretch>
           </a:blipFill>
         </p:spPr>
+        <p:txBody>
+          <a:bodyPr/>
+          <a:lstStyle/>
+          <a:p>
+            <a:endParaRPr lang="en-US" dirty="0"/>
+          </a:p>
+        </p:txBody>
       </p:sp>
       <p:grpSp>
         <p:nvGrpSpPr>
-          <p:cNvPr name="Group 3" id="3"/>
+          <p:cNvPr id="3" name="Group 3"/>
           <p:cNvGrpSpPr/>
           <p:nvPr/>
         </p:nvGrpSpPr>
         <p:grpSpPr>
-          <a:xfrm rot="0">
-            <a:off x="1019319" y="4778702"/>
+          <a:xfrm>
+            <a:off x="3124200" y="4686300"/>
             <a:ext cx="3695917" cy="3148187"/>
             <a:chOff x="0" y="0"/>
             <a:chExt cx="1302995" cy="1109893"/>
@@ -7451,12 +7431,12 @@
         </p:grpSpPr>
         <p:sp>
           <p:nvSpPr>
-            <p:cNvPr name="Freeform 4" id="4"/>
+            <p:cNvPr id="4" name="Freeform 4"/>
             <p:cNvSpPr/>
             <p:nvPr/>
           </p:nvSpPr>
           <p:spPr>
-            <a:xfrm flipH="false" flipV="false" rot="0">
+            <a:xfrm>
               <a:off x="0" y="0"/>
               <a:ext cx="1302995" cy="1109893"/>
             </a:xfrm>
@@ -7465,9 +7445,9 @@
               <a:gdLst/>
               <a:ahLst/>
               <a:cxnLst/>
-              <a:rect r="r" b="b" t="t" l="l"/>
+              <a:rect l="l" t="t" r="r" b="b"/>
               <a:pathLst>
-                <a:path h="1109893" w="1302995">
+                <a:path w="1302995" h="1109893">
                   <a:moveTo>
                     <a:pt x="106831" y="0"/>
                   </a:moveTo>
@@ -7517,6 +7497,126 @@
                     <a:pt x="51325" y="11255"/>
                     <a:pt x="78498" y="0"/>
                     <a:pt x="106831" y="0"/>
+                  </a:cubicBezTo>
+                  <a:close/>
+                </a:path>
+              </a:pathLst>
+            </a:custGeom>
+            <a:solidFill>
+              <a:srgbClr val="FFFFFF"/>
+            </a:solidFill>
+            <a:ln w="38100" cap="rnd">
+              <a:solidFill>
+                <a:srgbClr val="000000"/>
+              </a:solidFill>
+              <a:prstDash val="lgDash"/>
+              <a:round/>
+            </a:ln>
+          </p:spPr>
+          <p:txBody>
+            <a:bodyPr/>
+            <a:lstStyle/>
+            <a:p>
+              <a:endParaRPr lang="en-US" dirty="0"/>
+            </a:p>
+          </p:txBody>
+        </p:sp>
+        <p:sp>
+          <p:nvSpPr>
+            <p:cNvPr id="5" name="TextBox 5"/>
+            <p:cNvSpPr txBox="1"/>
+            <p:nvPr/>
+          </p:nvSpPr>
+          <p:spPr>
+            <a:xfrm>
+              <a:off x="0" y="-38100"/>
+              <a:ext cx="1302995" cy="1147993"/>
+            </a:xfrm>
+            <a:prstGeom prst="rect">
+              <a:avLst/>
+            </a:prstGeom>
+          </p:spPr>
+          <p:txBody>
+            <a:bodyPr lIns="50800" tIns="50800" rIns="50800" bIns="50800" rtlCol="0" anchor="ctr"/>
+            <a:lstStyle/>
+            <a:p>
+              <a:pPr algn="ctr">
+                <a:lnSpc>
+                  <a:spcPts val="2659"/>
+                </a:lnSpc>
+              </a:pPr>
+              <a:endParaRPr/>
+            </a:p>
+          </p:txBody>
+        </p:sp>
+      </p:grpSp>
+      <p:grpSp>
+        <p:nvGrpSpPr>
+          <p:cNvPr id="7" name="Group 7"/>
+          <p:cNvGrpSpPr/>
+          <p:nvPr/>
+        </p:nvGrpSpPr>
+        <p:grpSpPr>
+          <a:xfrm>
+            <a:off x="7245497" y="4618425"/>
+            <a:ext cx="3693893" cy="3216063"/>
+            <a:chOff x="0" y="0"/>
+            <a:chExt cx="1302995" cy="1134443"/>
+          </a:xfrm>
+        </p:grpSpPr>
+        <p:sp>
+          <p:nvSpPr>
+            <p:cNvPr id="8" name="Freeform 8"/>
+            <p:cNvSpPr/>
+            <p:nvPr/>
+          </p:nvSpPr>
+          <p:spPr>
+            <a:xfrm>
+              <a:off x="0" y="0"/>
+              <a:ext cx="1302995" cy="1134443"/>
+            </a:xfrm>
+            <a:custGeom>
+              <a:avLst/>
+              <a:gdLst/>
+              <a:ahLst/>
+              <a:cxnLst/>
+              <a:rect l="l" t="t" r="r" b="b"/>
+              <a:pathLst>
+                <a:path w="1302995" h="1134443">
+                  <a:moveTo>
+                    <a:pt x="106889" y="0"/>
+                  </a:moveTo>
+                  <a:lnTo>
+                    <a:pt x="1196105" y="0"/>
+                  </a:lnTo>
+                  <a:cubicBezTo>
+                    <a:pt x="1255139" y="0"/>
+                    <a:pt x="1302995" y="47856"/>
+                    <a:pt x="1302995" y="106889"/>
+                  </a:cubicBezTo>
+                  <a:lnTo>
+                    <a:pt x="1302995" y="1027554"/>
+                  </a:lnTo>
+                  <a:cubicBezTo>
+                    <a:pt x="1302995" y="1086587"/>
+                    <a:pt x="1255139" y="1134443"/>
+                    <a:pt x="1196105" y="1134443"/>
+                  </a:cubicBezTo>
+                  <a:lnTo>
+                    <a:pt x="106889" y="1134443"/>
+                  </a:lnTo>
+                  <a:cubicBezTo>
+                    <a:pt x="47856" y="1134443"/>
+                    <a:pt x="0" y="1086587"/>
+                    <a:pt x="0" y="1027554"/>
+                  </a:cubicBezTo>
+                  <a:lnTo>
+                    <a:pt x="0" y="106889"/>
+                  </a:lnTo>
+                  <a:cubicBezTo>
+                    <a:pt x="0" y="47856"/>
+                    <a:pt x="47856" y="0"/>
+                    <a:pt x="106889" y="0"/>
                   </a:cubicBezTo>
                   <a:close/>
                 </a:path>
@@ -7536,21 +7636,21 @@
         </p:sp>
         <p:sp>
           <p:nvSpPr>
-            <p:cNvPr name="TextBox 5" id="5"/>
-            <p:cNvSpPr txBox="true"/>
+            <p:cNvPr id="9" name="TextBox 9"/>
+            <p:cNvSpPr txBox="1"/>
             <p:nvPr/>
           </p:nvSpPr>
           <p:spPr>
             <a:xfrm>
               <a:off x="0" y="-38100"/>
-              <a:ext cx="1302995" cy="1147993"/>
+              <a:ext cx="1302995" cy="1172543"/>
             </a:xfrm>
             <a:prstGeom prst="rect">
               <a:avLst/>
             </a:prstGeom>
           </p:spPr>
           <p:txBody>
-            <a:bodyPr anchor="ctr" rtlCol="false" tIns="50800" lIns="50800" bIns="50800" rIns="50800"/>
+            <a:bodyPr lIns="50800" tIns="50800" rIns="50800" bIns="50800" rtlCol="0" anchor="ctr"/>
             <a:lstStyle/>
             <a:p>
               <a:pPr algn="ctr">
@@ -7558,131 +7658,202 @@
                   <a:spcPts val="2659"/>
                 </a:lnSpc>
               </a:pPr>
+              <a:endParaRPr/>
             </a:p>
           </p:txBody>
         </p:sp>
       </p:grpSp>
       <p:sp>
         <p:nvSpPr>
-          <p:cNvPr name="TextBox 6" id="6"/>
-          <p:cNvSpPr txBox="true"/>
+          <p:cNvPr id="10" name="TextBox 10"/>
+          <p:cNvSpPr txBox="1"/>
           <p:nvPr/>
         </p:nvSpPr>
         <p:spPr>
-          <a:xfrm rot="0">
-            <a:off x="1150383" y="5309386"/>
-            <a:ext cx="3285383" cy="1384300"/>
+          <a:xfrm>
+            <a:off x="3679044" y="1962819"/>
+            <a:ext cx="10929913" cy="1193800"/>
           </a:xfrm>
           <a:prstGeom prst="rect">
             <a:avLst/>
           </a:prstGeom>
         </p:spPr>
         <p:txBody>
-          <a:bodyPr anchor="t" rtlCol="false" tIns="0" lIns="0" bIns="0" rIns="0">
+          <a:bodyPr lIns="0" tIns="0" rIns="0" bIns="0" rtlCol="0" anchor="t">
             <a:spAutoFit/>
           </a:bodyPr>
           <a:lstStyle/>
           <a:p>
             <a:pPr algn="ctr">
               <a:lnSpc>
-                <a:spcPts val="5599"/>
+                <a:spcPts val="9799"/>
               </a:lnSpc>
             </a:pPr>
             <a:r>
-              <a:rPr lang="en-US" sz="3999">
+              <a:rPr lang="en-US" sz="6999">
                 <a:solidFill>
                   <a:srgbClr val="000000"/>
                 </a:solidFill>
-                <a:latin typeface="Noto Sans"/>
+                <a:latin typeface="Quicksand Bold"/>
               </a:rPr>
-              <a:t>Đăng kí</a:t>
-            </a:r>
-          </a:p>
+              <a:t>Phạm vi kiểm thử</a:t>
+            </a:r>
+          </a:p>
+        </p:txBody>
+      </p:sp>
+      <p:sp>
+        <p:nvSpPr>
+          <p:cNvPr id="11" name="TextBox 11"/>
+          <p:cNvSpPr txBox="1"/>
+          <p:nvPr/>
+        </p:nvSpPr>
+        <p:spPr>
+          <a:xfrm>
+            <a:off x="3186737" y="4086889"/>
+            <a:ext cx="3570843" cy="697639"/>
+          </a:xfrm>
+          <a:prstGeom prst="rect">
+            <a:avLst/>
+          </a:prstGeom>
+        </p:spPr>
+        <p:txBody>
+          <a:bodyPr lIns="0" tIns="0" rIns="0" bIns="0" rtlCol="0" anchor="t">
+            <a:spAutoFit/>
+          </a:bodyPr>
+          <a:lstStyle/>
           <a:p>
             <a:pPr algn="ctr">
               <a:lnSpc>
-                <a:spcPts val="5599"/>
+                <a:spcPts val="5752"/>
               </a:lnSpc>
             </a:pPr>
             <a:r>
-              <a:rPr lang="en-US" sz="3999">
+              <a:rPr lang="en-US" sz="4108">
                 <a:solidFill>
                   <a:srgbClr val="000000"/>
                 </a:solidFill>
-                <a:latin typeface="Noto Sans"/>
+                <a:latin typeface="Quicksand Bold"/>
               </a:rPr>
-              <a:t>Đăng nhập</a:t>
+              <a:t>1</a:t>
+            </a:r>
+          </a:p>
+        </p:txBody>
+      </p:sp>
+      <p:sp>
+        <p:nvSpPr>
+          <p:cNvPr id="12" name="TextBox 12"/>
+          <p:cNvSpPr txBox="1"/>
+          <p:nvPr/>
+        </p:nvSpPr>
+        <p:spPr>
+          <a:xfrm>
+            <a:off x="7363391" y="4026412"/>
+            <a:ext cx="3568888" cy="697299"/>
+          </a:xfrm>
+          <a:prstGeom prst="rect">
+            <a:avLst/>
+          </a:prstGeom>
+        </p:spPr>
+        <p:txBody>
+          <a:bodyPr lIns="0" tIns="0" rIns="0" bIns="0" rtlCol="0" anchor="t">
+            <a:spAutoFit/>
+          </a:bodyPr>
+          <a:lstStyle/>
+          <a:p>
+            <a:pPr algn="ctr">
+              <a:lnSpc>
+                <a:spcPts val="5749"/>
+              </a:lnSpc>
+            </a:pPr>
+            <a:r>
+              <a:rPr lang="en-US" sz="4106">
+                <a:solidFill>
+                  <a:srgbClr val="000000"/>
+                </a:solidFill>
+                <a:latin typeface="Quicksand Bold"/>
+              </a:rPr>
+              <a:t>2</a:t>
             </a:r>
           </a:p>
         </p:txBody>
       </p:sp>
       <p:grpSp>
         <p:nvGrpSpPr>
-          <p:cNvPr name="Group 7" id="7"/>
+          <p:cNvPr id="13" name="Group 13"/>
           <p:cNvGrpSpPr/>
           <p:nvPr/>
         </p:nvGrpSpPr>
         <p:grpSpPr>
-          <a:xfrm rot="0">
-            <a:off x="5140616" y="4710827"/>
-            <a:ext cx="3693893" cy="3216063"/>
+          <a:xfrm>
+            <a:off x="11548990" y="4616298"/>
+            <a:ext cx="3695917" cy="3218190"/>
             <a:chOff x="0" y="0"/>
-            <a:chExt cx="1302995" cy="1134443"/>
+            <a:chExt cx="1302995" cy="1134572"/>
           </a:xfrm>
         </p:grpSpPr>
         <p:sp>
           <p:nvSpPr>
-            <p:cNvPr name="Freeform 8" id="8"/>
+            <p:cNvPr id="14" name="Freeform 14"/>
             <p:cNvSpPr/>
             <p:nvPr/>
           </p:nvSpPr>
           <p:spPr>
-            <a:xfrm flipH="false" flipV="false" rot="0">
+            <a:xfrm>
               <a:off x="0" y="0"/>
-              <a:ext cx="1302995" cy="1134443"/>
+              <a:ext cx="1302995" cy="1134572"/>
             </a:xfrm>
             <a:custGeom>
               <a:avLst/>
               <a:gdLst/>
               <a:ahLst/>
               <a:cxnLst/>
-              <a:rect r="r" b="b" t="t" l="l"/>
+              <a:rect l="l" t="t" r="r" b="b"/>
               <a:pathLst>
-                <a:path h="1134443" w="1302995">
+                <a:path w="1302995" h="1134572">
                   <a:moveTo>
-                    <a:pt x="106889" y="0"/>
+                    <a:pt x="106831" y="0"/>
                   </a:moveTo>
                   <a:lnTo>
-                    <a:pt x="1196105" y="0"/>
+                    <a:pt x="1196164" y="0"/>
                   </a:lnTo>
                   <a:cubicBezTo>
-                    <a:pt x="1255139" y="0"/>
-                    <a:pt x="1302995" y="47856"/>
-                    <a:pt x="1302995" y="106889"/>
+                    <a:pt x="1255165" y="0"/>
+                    <a:pt x="1302995" y="47830"/>
+                    <a:pt x="1302995" y="106831"/>
                   </a:cubicBezTo>
                   <a:lnTo>
-                    <a:pt x="1302995" y="1027554"/>
+                    <a:pt x="1302995" y="1027741"/>
                   </a:lnTo>
                   <a:cubicBezTo>
-                    <a:pt x="1302995" y="1086587"/>
-                    <a:pt x="1255139" y="1134443"/>
-                    <a:pt x="1196105" y="1134443"/>
+                    <a:pt x="1302995" y="1056074"/>
+                    <a:pt x="1291739" y="1083247"/>
+                    <a:pt x="1271705" y="1103282"/>
+                  </a:cubicBezTo>
+                  <a:cubicBezTo>
+                    <a:pt x="1251670" y="1123316"/>
+                    <a:pt x="1224497" y="1134572"/>
+                    <a:pt x="1196164" y="1134572"/>
                   </a:cubicBezTo>
                   <a:lnTo>
-                    <a:pt x="106889" y="1134443"/>
+                    <a:pt x="106831" y="1134572"/>
                   </a:lnTo>
                   <a:cubicBezTo>
-                    <a:pt x="47856" y="1134443"/>
-                    <a:pt x="0" y="1086587"/>
-                    <a:pt x="0" y="1027554"/>
+                    <a:pt x="47830" y="1134572"/>
+                    <a:pt x="0" y="1086742"/>
+                    <a:pt x="0" y="1027741"/>
                   </a:cubicBezTo>
                   <a:lnTo>
-                    <a:pt x="0" y="106889"/>
+                    <a:pt x="0" y="106831"/>
                   </a:lnTo>
                   <a:cubicBezTo>
-                    <a:pt x="0" y="47856"/>
-                    <a:pt x="47856" y="0"/>
-                    <a:pt x="106889" y="0"/>
+                    <a:pt x="0" y="78498"/>
+                    <a:pt x="11255" y="51325"/>
+                    <a:pt x="31290" y="31290"/>
+                  </a:cubicBezTo>
+                  <a:cubicBezTo>
+                    <a:pt x="51325" y="11255"/>
+                    <a:pt x="78498" y="0"/>
+                    <a:pt x="106831" y="0"/>
                   </a:cubicBezTo>
                   <a:close/>
                 </a:path>
@@ -7702,244 +7873,8 @@
         </p:sp>
         <p:sp>
           <p:nvSpPr>
-            <p:cNvPr name="TextBox 9" id="9"/>
-            <p:cNvSpPr txBox="true"/>
-            <p:nvPr/>
-          </p:nvSpPr>
-          <p:spPr>
-            <a:xfrm>
-              <a:off x="0" y="-38100"/>
-              <a:ext cx="1302995" cy="1172543"/>
-            </a:xfrm>
-            <a:prstGeom prst="rect">
-              <a:avLst/>
-            </a:prstGeom>
-          </p:spPr>
-          <p:txBody>
-            <a:bodyPr anchor="ctr" rtlCol="false" tIns="50800" lIns="50800" bIns="50800" rIns="50800"/>
-            <a:lstStyle/>
-            <a:p>
-              <a:pPr algn="ctr">
-                <a:lnSpc>
-                  <a:spcPts val="2659"/>
-                </a:lnSpc>
-              </a:pPr>
-            </a:p>
-          </p:txBody>
-        </p:sp>
-      </p:grpSp>
-      <p:sp>
-        <p:nvSpPr>
-          <p:cNvPr name="TextBox 10" id="10"/>
-          <p:cNvSpPr txBox="true"/>
-          <p:nvPr/>
-        </p:nvSpPr>
-        <p:spPr>
-          <a:xfrm rot="0">
-            <a:off x="3679044" y="1962819"/>
-            <a:ext cx="10929913" cy="1193800"/>
-          </a:xfrm>
-          <a:prstGeom prst="rect">
-            <a:avLst/>
-          </a:prstGeom>
-        </p:spPr>
-        <p:txBody>
-          <a:bodyPr anchor="t" rtlCol="false" tIns="0" lIns="0" bIns="0" rIns="0">
-            <a:spAutoFit/>
-          </a:bodyPr>
-          <a:lstStyle/>
-          <a:p>
-            <a:pPr algn="ctr">
-              <a:lnSpc>
-                <a:spcPts val="9799"/>
-              </a:lnSpc>
-            </a:pPr>
-            <a:r>
-              <a:rPr lang="en-US" sz="6999">
-                <a:solidFill>
-                  <a:srgbClr val="000000"/>
-                </a:solidFill>
-                <a:latin typeface="Quicksand Bold"/>
-              </a:rPr>
-              <a:t>Phạm vi kiểm thử</a:t>
-            </a:r>
-          </a:p>
-        </p:txBody>
-      </p:sp>
-      <p:sp>
-        <p:nvSpPr>
-          <p:cNvPr name="TextBox 11" id="11"/>
-          <p:cNvSpPr txBox="true"/>
-          <p:nvPr/>
-        </p:nvSpPr>
-        <p:spPr>
-          <a:xfrm rot="0">
-            <a:off x="1081856" y="4179291"/>
-            <a:ext cx="3570843" cy="697639"/>
-          </a:xfrm>
-          <a:prstGeom prst="rect">
-            <a:avLst/>
-          </a:prstGeom>
-        </p:spPr>
-        <p:txBody>
-          <a:bodyPr anchor="t" rtlCol="false" tIns="0" lIns="0" bIns="0" rIns="0">
-            <a:spAutoFit/>
-          </a:bodyPr>
-          <a:lstStyle/>
-          <a:p>
-            <a:pPr algn="ctr">
-              <a:lnSpc>
-                <a:spcPts val="5752"/>
-              </a:lnSpc>
-            </a:pPr>
-            <a:r>
-              <a:rPr lang="en-US" sz="4108">
-                <a:solidFill>
-                  <a:srgbClr val="000000"/>
-                </a:solidFill>
-                <a:latin typeface="Quicksand Bold"/>
-              </a:rPr>
-              <a:t>1</a:t>
-            </a:r>
-          </a:p>
-        </p:txBody>
-      </p:sp>
-      <p:sp>
-        <p:nvSpPr>
-          <p:cNvPr name="TextBox 12" id="12"/>
-          <p:cNvSpPr txBox="true"/>
-          <p:nvPr/>
-        </p:nvSpPr>
-        <p:spPr>
-          <a:xfrm rot="0">
-            <a:off x="5258510" y="4118814"/>
-            <a:ext cx="3568888" cy="697299"/>
-          </a:xfrm>
-          <a:prstGeom prst="rect">
-            <a:avLst/>
-          </a:prstGeom>
-        </p:spPr>
-        <p:txBody>
-          <a:bodyPr anchor="t" rtlCol="false" tIns="0" lIns="0" bIns="0" rIns="0">
-            <a:spAutoFit/>
-          </a:bodyPr>
-          <a:lstStyle/>
-          <a:p>
-            <a:pPr algn="ctr">
-              <a:lnSpc>
-                <a:spcPts val="5749"/>
-              </a:lnSpc>
-            </a:pPr>
-            <a:r>
-              <a:rPr lang="en-US" sz="4106">
-                <a:solidFill>
-                  <a:srgbClr val="000000"/>
-                </a:solidFill>
-                <a:latin typeface="Quicksand Bold"/>
-              </a:rPr>
-              <a:t>2</a:t>
-            </a:r>
-          </a:p>
-        </p:txBody>
-      </p:sp>
-      <p:grpSp>
-        <p:nvGrpSpPr>
-          <p:cNvPr name="Group 13" id="13"/>
-          <p:cNvGrpSpPr/>
-          <p:nvPr/>
-        </p:nvGrpSpPr>
-        <p:grpSpPr>
-          <a:xfrm rot="0">
-            <a:off x="9444109" y="4708700"/>
-            <a:ext cx="3695917" cy="3218190"/>
-            <a:chOff x="0" y="0"/>
-            <a:chExt cx="1302995" cy="1134572"/>
-          </a:xfrm>
-        </p:grpSpPr>
-        <p:sp>
-          <p:nvSpPr>
-            <p:cNvPr name="Freeform 14" id="14"/>
-            <p:cNvSpPr/>
-            <p:nvPr/>
-          </p:nvSpPr>
-          <p:spPr>
-            <a:xfrm flipH="false" flipV="false" rot="0">
-              <a:off x="0" y="0"/>
-              <a:ext cx="1302995" cy="1134572"/>
-            </a:xfrm>
-            <a:custGeom>
-              <a:avLst/>
-              <a:gdLst/>
-              <a:ahLst/>
-              <a:cxnLst/>
-              <a:rect r="r" b="b" t="t" l="l"/>
-              <a:pathLst>
-                <a:path h="1134572" w="1302995">
-                  <a:moveTo>
-                    <a:pt x="106831" y="0"/>
-                  </a:moveTo>
-                  <a:lnTo>
-                    <a:pt x="1196164" y="0"/>
-                  </a:lnTo>
-                  <a:cubicBezTo>
-                    <a:pt x="1255165" y="0"/>
-                    <a:pt x="1302995" y="47830"/>
-                    <a:pt x="1302995" y="106831"/>
-                  </a:cubicBezTo>
-                  <a:lnTo>
-                    <a:pt x="1302995" y="1027741"/>
-                  </a:lnTo>
-                  <a:cubicBezTo>
-                    <a:pt x="1302995" y="1056074"/>
-                    <a:pt x="1291739" y="1083247"/>
-                    <a:pt x="1271705" y="1103282"/>
-                  </a:cubicBezTo>
-                  <a:cubicBezTo>
-                    <a:pt x="1251670" y="1123316"/>
-                    <a:pt x="1224497" y="1134572"/>
-                    <a:pt x="1196164" y="1134572"/>
-                  </a:cubicBezTo>
-                  <a:lnTo>
-                    <a:pt x="106831" y="1134572"/>
-                  </a:lnTo>
-                  <a:cubicBezTo>
-                    <a:pt x="47830" y="1134572"/>
-                    <a:pt x="0" y="1086742"/>
-                    <a:pt x="0" y="1027741"/>
-                  </a:cubicBezTo>
-                  <a:lnTo>
-                    <a:pt x="0" y="106831"/>
-                  </a:lnTo>
-                  <a:cubicBezTo>
-                    <a:pt x="0" y="78498"/>
-                    <a:pt x="11255" y="51325"/>
-                    <a:pt x="31290" y="31290"/>
-                  </a:cubicBezTo>
-                  <a:cubicBezTo>
-                    <a:pt x="51325" y="11255"/>
-                    <a:pt x="78498" y="0"/>
-                    <a:pt x="106831" y="0"/>
-                  </a:cubicBezTo>
-                  <a:close/>
-                </a:path>
-              </a:pathLst>
-            </a:custGeom>
-            <a:solidFill>
-              <a:srgbClr val="FFFFFF"/>
-            </a:solidFill>
-            <a:ln w="38100" cap="rnd">
-              <a:solidFill>
-                <a:srgbClr val="000000"/>
-              </a:solidFill>
-              <a:prstDash val="lgDash"/>
-              <a:round/>
-            </a:ln>
-          </p:spPr>
-        </p:sp>
-        <p:sp>
-          <p:nvSpPr>
-            <p:cNvPr name="TextBox 15" id="15"/>
-            <p:cNvSpPr txBox="true"/>
+            <p:cNvPr id="15" name="TextBox 15"/>
+            <p:cNvSpPr txBox="1"/>
             <p:nvPr/>
           </p:nvSpPr>
           <p:spPr>
@@ -7952,7 +7887,7 @@
             </a:prstGeom>
           </p:spPr>
           <p:txBody>
-            <a:bodyPr anchor="ctr" rtlCol="false" tIns="50800" lIns="50800" bIns="50800" rIns="50800"/>
+            <a:bodyPr lIns="50800" tIns="50800" rIns="50800" bIns="50800" rtlCol="0" anchor="ctr"/>
             <a:lstStyle/>
             <a:p>
               <a:pPr algn="ctr">
@@ -7960,131 +7895,20 @@
                   <a:spcPts val="2659"/>
                 </a:lnSpc>
               </a:pPr>
+              <a:endParaRPr/>
             </a:p>
           </p:txBody>
         </p:sp>
       </p:grpSp>
-      <p:grpSp>
-        <p:nvGrpSpPr>
-          <p:cNvPr name="Group 16" id="16"/>
-          <p:cNvGrpSpPr/>
+      <p:sp>
+        <p:nvSpPr>
+          <p:cNvPr id="19" name="TextBox 19"/>
+          <p:cNvSpPr txBox="1"/>
           <p:nvPr/>
-        </p:nvGrpSpPr>
-        <p:grpSpPr>
-          <a:xfrm rot="0">
-            <a:off x="13565407" y="4640825"/>
-            <a:ext cx="3693893" cy="3286065"/>
-            <a:chOff x="0" y="0"/>
-            <a:chExt cx="1302995" cy="1159136"/>
-          </a:xfrm>
-        </p:grpSpPr>
-        <p:sp>
-          <p:nvSpPr>
-            <p:cNvPr name="Freeform 17" id="17"/>
-            <p:cNvSpPr/>
-            <p:nvPr/>
-          </p:nvSpPr>
-          <p:spPr>
-            <a:xfrm flipH="false" flipV="false" rot="0">
-              <a:off x="0" y="0"/>
-              <a:ext cx="1302995" cy="1159136"/>
-            </a:xfrm>
-            <a:custGeom>
-              <a:avLst/>
-              <a:gdLst/>
-              <a:ahLst/>
-              <a:cxnLst/>
-              <a:rect r="r" b="b" t="t" l="l"/>
-              <a:pathLst>
-                <a:path h="1159136" w="1302995">
-                  <a:moveTo>
-                    <a:pt x="106889" y="0"/>
-                  </a:moveTo>
-                  <a:lnTo>
-                    <a:pt x="1196105" y="0"/>
-                  </a:lnTo>
-                  <a:cubicBezTo>
-                    <a:pt x="1255139" y="0"/>
-                    <a:pt x="1302995" y="47856"/>
-                    <a:pt x="1302995" y="106889"/>
-                  </a:cubicBezTo>
-                  <a:lnTo>
-                    <a:pt x="1302995" y="1052247"/>
-                  </a:lnTo>
-                  <a:cubicBezTo>
-                    <a:pt x="1302995" y="1111280"/>
-                    <a:pt x="1255139" y="1159136"/>
-                    <a:pt x="1196105" y="1159136"/>
-                  </a:cubicBezTo>
-                  <a:lnTo>
-                    <a:pt x="106889" y="1159136"/>
-                  </a:lnTo>
-                  <a:cubicBezTo>
-                    <a:pt x="47856" y="1159136"/>
-                    <a:pt x="0" y="1111280"/>
-                    <a:pt x="0" y="1052247"/>
-                  </a:cubicBezTo>
-                  <a:lnTo>
-                    <a:pt x="0" y="106889"/>
-                  </a:lnTo>
-                  <a:cubicBezTo>
-                    <a:pt x="0" y="47856"/>
-                    <a:pt x="47856" y="0"/>
-                    <a:pt x="106889" y="0"/>
-                  </a:cubicBezTo>
-                  <a:close/>
-                </a:path>
-              </a:pathLst>
-            </a:custGeom>
-            <a:solidFill>
-              <a:srgbClr val="FFFFFF"/>
-            </a:solidFill>
-            <a:ln w="38100" cap="rnd">
-              <a:solidFill>
-                <a:srgbClr val="000000"/>
-              </a:solidFill>
-              <a:prstDash val="lgDash"/>
-              <a:round/>
-            </a:ln>
-          </p:spPr>
-        </p:sp>
-        <p:sp>
-          <p:nvSpPr>
-            <p:cNvPr name="TextBox 18" id="18"/>
-            <p:cNvSpPr txBox="true"/>
-            <p:nvPr/>
-          </p:nvSpPr>
-          <p:spPr>
-            <a:xfrm>
-              <a:off x="0" y="-38100"/>
-              <a:ext cx="1302995" cy="1197236"/>
-            </a:xfrm>
-            <a:prstGeom prst="rect">
-              <a:avLst/>
-            </a:prstGeom>
-          </p:spPr>
-          <p:txBody>
-            <a:bodyPr anchor="ctr" rtlCol="false" tIns="50800" lIns="50800" bIns="50800" rIns="50800"/>
-            <a:lstStyle/>
-            <a:p>
-              <a:pPr algn="ctr">
-                <a:lnSpc>
-                  <a:spcPts val="2659"/>
-                </a:lnSpc>
-              </a:pPr>
-            </a:p>
-          </p:txBody>
-        </p:sp>
-      </p:grpSp>
-      <p:sp>
-        <p:nvSpPr>
-          <p:cNvPr name="TextBox 19" id="19"/>
-          <p:cNvSpPr txBox="true"/>
-          <p:nvPr/>
         </p:nvSpPr>
         <p:spPr>
-          <a:xfrm rot="0">
-            <a:off x="9506647" y="4109289"/>
+          <a:xfrm>
+            <a:off x="11611528" y="4016887"/>
             <a:ext cx="3570843" cy="697639"/>
           </a:xfrm>
           <a:prstGeom prst="rect">
@@ -8092,7 +7916,7 @@
           </a:prstGeom>
         </p:spPr>
         <p:txBody>
-          <a:bodyPr anchor="t" rtlCol="false" tIns="0" lIns="0" bIns="0" rIns="0">
+          <a:bodyPr lIns="0" tIns="0" rIns="0" bIns="0" rtlCol="0" anchor="t">
             <a:spAutoFit/>
           </a:bodyPr>
           <a:lstStyle/>
@@ -8116,59 +7940,21 @@
       </p:sp>
       <p:sp>
         <p:nvSpPr>
-          <p:cNvPr name="TextBox 20" id="20"/>
-          <p:cNvSpPr txBox="true"/>
+          <p:cNvPr id="22" name="TextBox 22"/>
+          <p:cNvSpPr txBox="1"/>
           <p:nvPr/>
         </p:nvSpPr>
         <p:spPr>
-          <a:xfrm rot="0">
-            <a:off x="13683301" y="4048812"/>
-            <a:ext cx="3568888" cy="697299"/>
+          <a:xfrm>
+            <a:off x="11706633" y="5369384"/>
+            <a:ext cx="3380633" cy="1389163"/>
           </a:xfrm>
           <a:prstGeom prst="rect">
             <a:avLst/>
           </a:prstGeom>
         </p:spPr>
         <p:txBody>
-          <a:bodyPr anchor="t" rtlCol="false" tIns="0" lIns="0" bIns="0" rIns="0">
-            <a:spAutoFit/>
-          </a:bodyPr>
-          <a:lstStyle/>
-          <a:p>
-            <a:pPr algn="ctr">
-              <a:lnSpc>
-                <a:spcPts val="5749"/>
-              </a:lnSpc>
-            </a:pPr>
-            <a:r>
-              <a:rPr lang="en-US" sz="4106">
-                <a:solidFill>
-                  <a:srgbClr val="000000"/>
-                </a:solidFill>
-                <a:latin typeface="Quicksand Bold"/>
-              </a:rPr>
-              <a:t>4</a:t>
-            </a:r>
-          </a:p>
-        </p:txBody>
-      </p:sp>
-      <p:sp>
-        <p:nvSpPr>
-          <p:cNvPr name="TextBox 21" id="21"/>
-          <p:cNvSpPr txBox="true"/>
-          <p:nvPr/>
-        </p:nvSpPr>
-        <p:spPr>
-          <a:xfrm rot="0">
-            <a:off x="13683301" y="5461786"/>
-            <a:ext cx="3380633" cy="1384300"/>
-          </a:xfrm>
-          <a:prstGeom prst="rect">
-            <a:avLst/>
-          </a:prstGeom>
-        </p:spPr>
-        <p:txBody>
-          <a:bodyPr anchor="t" rtlCol="false" tIns="0" lIns="0" bIns="0" rIns="0">
+          <a:bodyPr lIns="0" tIns="0" rIns="0" bIns="0" rtlCol="0" anchor="t">
             <a:spAutoFit/>
           </a:bodyPr>
           <a:lstStyle/>
@@ -8179,15 +7965,115 @@
               </a:lnSpc>
             </a:pPr>
             <a:r>
-              <a:rPr lang="en-US" sz="3999">
+              <a:rPr lang="en-US" sz="3999" dirty="0" err="1">
                 <a:solidFill>
                   <a:srgbClr val="000000"/>
                 </a:solidFill>
                 <a:latin typeface="Noto Sans"/>
               </a:rPr>
-              <a:t>Bảo trì </a:t>
-            </a:r>
-          </a:p>
+              <a:t>Kiểm</a:t>
+            </a:r>
+            <a:r>
+              <a:rPr lang="en-US" sz="3999" dirty="0">
+                <a:solidFill>
+                  <a:srgbClr val="000000"/>
+                </a:solidFill>
+                <a:latin typeface="Noto Sans"/>
+              </a:rPr>
+              <a:t> </a:t>
+            </a:r>
+            <a:r>
+              <a:rPr lang="en-US" sz="3999" dirty="0" err="1">
+                <a:solidFill>
+                  <a:srgbClr val="000000"/>
+                </a:solidFill>
+                <a:latin typeface="Noto Sans"/>
+              </a:rPr>
+              <a:t>thử</a:t>
+            </a:r>
+            <a:r>
+              <a:rPr lang="en-US" sz="3999" dirty="0">
+                <a:solidFill>
+                  <a:srgbClr val="000000"/>
+                </a:solidFill>
+                <a:latin typeface="Noto Sans"/>
+              </a:rPr>
+              <a:t> </a:t>
+            </a:r>
+            <a:r>
+              <a:rPr lang="en-US" sz="3999" dirty="0" err="1">
+                <a:solidFill>
+                  <a:srgbClr val="000000"/>
+                </a:solidFill>
+                <a:latin typeface="Noto Sans"/>
+              </a:rPr>
+              <a:t>tải</a:t>
+            </a:r>
+            <a:r>
+              <a:rPr lang="en-US" sz="3999" dirty="0">
+                <a:solidFill>
+                  <a:srgbClr val="000000"/>
+                </a:solidFill>
+                <a:latin typeface="Noto Sans"/>
+              </a:rPr>
+              <a:t> </a:t>
+            </a:r>
+            <a:r>
+              <a:rPr lang="en-US" sz="3999" dirty="0" err="1">
+                <a:solidFill>
+                  <a:srgbClr val="000000"/>
+                </a:solidFill>
+                <a:latin typeface="Noto Sans"/>
+              </a:rPr>
+              <a:t>với</a:t>
+            </a:r>
+            <a:r>
+              <a:rPr lang="en-US" sz="3999" dirty="0">
+                <a:solidFill>
+                  <a:srgbClr val="000000"/>
+                </a:solidFill>
+                <a:latin typeface="Noto Sans"/>
+              </a:rPr>
+              <a:t> </a:t>
+            </a:r>
+            <a:r>
+              <a:rPr lang="en-US" sz="3999" dirty="0" err="1">
+                <a:solidFill>
+                  <a:srgbClr val="000000"/>
+                </a:solidFill>
+                <a:latin typeface="Noto Sans"/>
+              </a:rPr>
+              <a:t>jmeter</a:t>
+            </a:r>
+            <a:endParaRPr lang="en-US" sz="3999" dirty="0">
+              <a:solidFill>
+                <a:srgbClr val="000000"/>
+              </a:solidFill>
+              <a:latin typeface="Noto Sans"/>
+            </a:endParaRPr>
+          </a:p>
+        </p:txBody>
+      </p:sp>
+      <p:sp>
+        <p:nvSpPr>
+          <p:cNvPr id="23" name="TextBox 23"/>
+          <p:cNvSpPr txBox="1"/>
+          <p:nvPr/>
+        </p:nvSpPr>
+        <p:spPr>
+          <a:xfrm>
+            <a:off x="7402127" y="5369384"/>
+            <a:ext cx="3380633" cy="1389163"/>
+          </a:xfrm>
+          <a:prstGeom prst="rect">
+            <a:avLst/>
+          </a:prstGeom>
+        </p:spPr>
+        <p:txBody>
+          <a:bodyPr lIns="0" tIns="0" rIns="0" bIns="0" rtlCol="0" anchor="t">
+            <a:spAutoFit/>
+          </a:bodyPr>
+          <a:lstStyle/>
           <a:p>
             <a:pPr algn="ctr">
               <a:lnSpc>
@@ -8195,34 +8081,121 @@
               </a:lnSpc>
             </a:pPr>
             <a:r>
-              <a:rPr lang="en-US" sz="3999">
+              <a:rPr lang="en-US" sz="3999" dirty="0" err="1">
                 <a:solidFill>
                   <a:srgbClr val="000000"/>
                 </a:solidFill>
                 <a:latin typeface="Noto Sans"/>
               </a:rPr>
-              <a:t>sản phẩm</a:t>
-            </a:r>
-          </a:p>
-        </p:txBody>
-      </p:sp>
-      <p:sp>
-        <p:nvSpPr>
-          <p:cNvPr name="TextBox 22" id="22"/>
-          <p:cNvSpPr txBox="true"/>
+              <a:t>Giám</a:t>
+            </a:r>
+            <a:r>
+              <a:rPr lang="en-US" sz="3999" dirty="0">
+                <a:solidFill>
+                  <a:srgbClr val="000000"/>
+                </a:solidFill>
+                <a:latin typeface="Noto Sans"/>
+              </a:rPr>
+              <a:t> </a:t>
+            </a:r>
+            <a:r>
+              <a:rPr lang="en-US" sz="3999" dirty="0" err="1">
+                <a:solidFill>
+                  <a:srgbClr val="000000"/>
+                </a:solidFill>
+                <a:latin typeface="Noto Sans"/>
+              </a:rPr>
+              <a:t>sát</a:t>
+            </a:r>
+            <a:r>
+              <a:rPr lang="en-US" sz="3999" dirty="0">
+                <a:solidFill>
+                  <a:srgbClr val="000000"/>
+                </a:solidFill>
+                <a:latin typeface="Noto Sans"/>
+              </a:rPr>
+              <a:t> </a:t>
+            </a:r>
+            <a:r>
+              <a:rPr lang="en-US" sz="3999" dirty="0" err="1">
+                <a:solidFill>
+                  <a:srgbClr val="000000"/>
+                </a:solidFill>
+                <a:latin typeface="Noto Sans"/>
+              </a:rPr>
+              <a:t>tốc</a:t>
+            </a:r>
+            <a:r>
+              <a:rPr lang="en-US" sz="3999" dirty="0">
+                <a:solidFill>
+                  <a:srgbClr val="000000"/>
+                </a:solidFill>
+                <a:latin typeface="Noto Sans"/>
+              </a:rPr>
+              <a:t> </a:t>
+            </a:r>
+            <a:r>
+              <a:rPr lang="en-US" sz="3999" dirty="0" err="1">
+                <a:solidFill>
+                  <a:srgbClr val="000000"/>
+                </a:solidFill>
+                <a:latin typeface="Noto Sans"/>
+              </a:rPr>
+              <a:t>độ</a:t>
+            </a:r>
+            <a:r>
+              <a:rPr lang="en-US" sz="3999" dirty="0">
+                <a:solidFill>
+                  <a:srgbClr val="000000"/>
+                </a:solidFill>
+                <a:latin typeface="Noto Sans"/>
+              </a:rPr>
+              <a:t> </a:t>
+            </a:r>
+            <a:r>
+              <a:rPr lang="en-US" sz="3999" dirty="0" err="1">
+                <a:solidFill>
+                  <a:srgbClr val="000000"/>
+                </a:solidFill>
+                <a:latin typeface="Noto Sans"/>
+              </a:rPr>
+              <a:t>trang</a:t>
+            </a:r>
+            <a:r>
+              <a:rPr lang="en-US" sz="3999" dirty="0">
+                <a:solidFill>
+                  <a:srgbClr val="000000"/>
+                </a:solidFill>
+                <a:latin typeface="Noto Sans"/>
+              </a:rPr>
+              <a:t> web</a:t>
+            </a:r>
+          </a:p>
+        </p:txBody>
+      </p:sp>
+      <p:sp>
+        <p:nvSpPr>
+          <p:cNvPr id="26" name="TextBox 23">
+            <a:extLst>
+              <a:ext uri="{FF2B5EF4-FFF2-40B4-BE49-F238E27FC236}">
+                <a16:creationId xmlns:a16="http://schemas.microsoft.com/office/drawing/2014/main" id="{11227A81-F481-580A-F09F-64B524FA0BA6}"/>
+              </a:ext>
+            </a:extLst>
+          </p:cNvPr>
+          <p:cNvSpPr txBox="1"/>
           <p:nvPr/>
         </p:nvSpPr>
         <p:spPr>
-          <a:xfrm rot="0">
-            <a:off x="9601752" y="5461786"/>
-            <a:ext cx="3380633" cy="1384300"/>
+          <a:xfrm>
+            <a:off x="3281841" y="5479208"/>
+            <a:ext cx="3380633" cy="671018"/>
           </a:xfrm>
           <a:prstGeom prst="rect">
             <a:avLst/>
           </a:prstGeom>
         </p:spPr>
         <p:txBody>
-          <a:bodyPr anchor="t" rtlCol="false" tIns="0" lIns="0" bIns="0" rIns="0">
+          <a:bodyPr lIns="0" tIns="0" rIns="0" bIns="0" rtlCol="0" anchor="t">
             <a:spAutoFit/>
           </a:bodyPr>
           <a:lstStyle/>
@@ -8233,84 +8206,56 @@
               </a:lnSpc>
             </a:pPr>
             <a:r>
-              <a:rPr lang="en-US" sz="3999">
+              <a:rPr lang="en-US" sz="3999" dirty="0" err="1">
                 <a:solidFill>
                   <a:srgbClr val="000000"/>
                 </a:solidFill>
                 <a:latin typeface="Noto Sans"/>
               </a:rPr>
-              <a:t>Quản lý </a:t>
-            </a:r>
-          </a:p>
-          <a:p>
-            <a:pPr algn="ctr">
-              <a:lnSpc>
-                <a:spcPts val="5599"/>
-              </a:lnSpc>
-            </a:pPr>
-            <a:r>
-              <a:rPr lang="en-US" sz="3999">
+              <a:t>Kiểm</a:t>
+            </a:r>
+            <a:r>
+              <a:rPr lang="en-US" sz="3999" dirty="0">
                 <a:solidFill>
                   <a:srgbClr val="000000"/>
                 </a:solidFill>
                 <a:latin typeface="Noto Sans"/>
               </a:rPr>
-              <a:t>giỏ hàng</a:t>
-            </a:r>
-          </a:p>
-        </p:txBody>
-      </p:sp>
-      <p:sp>
-        <p:nvSpPr>
-          <p:cNvPr name="TextBox 23" id="23"/>
-          <p:cNvSpPr txBox="true"/>
-          <p:nvPr/>
-        </p:nvSpPr>
-        <p:spPr>
-          <a:xfrm rot="0">
-            <a:off x="5297246" y="5461786"/>
-            <a:ext cx="3380633" cy="1384300"/>
-          </a:xfrm>
-          <a:prstGeom prst="rect">
-            <a:avLst/>
-          </a:prstGeom>
-        </p:spPr>
-        <p:txBody>
-          <a:bodyPr anchor="t" rtlCol="false" tIns="0" lIns="0" bIns="0" rIns="0">
-            <a:spAutoFit/>
-          </a:bodyPr>
-          <a:lstStyle/>
-          <a:p>
-            <a:pPr algn="ctr">
-              <a:lnSpc>
-                <a:spcPts val="5599"/>
-              </a:lnSpc>
-            </a:pPr>
-            <a:r>
-              <a:rPr lang="en-US" sz="3999">
+              <a:t> </a:t>
+            </a:r>
+            <a:r>
+              <a:rPr lang="en-US" sz="3999" dirty="0" err="1">
                 <a:solidFill>
                   <a:srgbClr val="000000"/>
                 </a:solidFill>
                 <a:latin typeface="Noto Sans"/>
               </a:rPr>
-              <a:t>Xem chi tiết </a:t>
-            </a:r>
-          </a:p>
-          <a:p>
-            <a:pPr algn="ctr">
-              <a:lnSpc>
-                <a:spcPts val="5599"/>
-              </a:lnSpc>
-            </a:pPr>
-            <a:r>
-              <a:rPr lang="en-US" sz="3999">
+              <a:t>thử</a:t>
+            </a:r>
+            <a:r>
+              <a:rPr lang="en-US" sz="3999" dirty="0">
                 <a:solidFill>
                   <a:srgbClr val="000000"/>
                 </a:solidFill>
                 <a:latin typeface="Noto Sans"/>
               </a:rPr>
-              <a:t>sản phẩm</a:t>
-            </a:r>
+              <a:t> </a:t>
+            </a:r>
+            <a:r>
+              <a:rPr lang="en-US" sz="3999" dirty="0" err="1">
+                <a:solidFill>
+                  <a:srgbClr val="000000"/>
+                </a:solidFill>
+                <a:latin typeface="Noto Sans"/>
+              </a:rPr>
+              <a:t>tải</a:t>
+            </a:r>
+            <a:endParaRPr lang="en-US" sz="3999" dirty="0">
+              <a:solidFill>
+                <a:srgbClr val="000000"/>
+              </a:solidFill>
+              <a:latin typeface="Noto Sans"/>
+            </a:endParaRPr>
           </a:p>
         </p:txBody>
       </p:sp>
@@ -8323,7 +8268,7 @@
 </file>
 
 <file path=ppt/slides/slide9.xml><?xml version="1.0" encoding="utf-8"?>
-<p:sld xmlns:p="http://schemas.openxmlformats.org/presentationml/2006/main" xmlns:a="http://schemas.openxmlformats.org/drawingml/2006/main" xmlns:r="http://schemas.openxmlformats.org/officeDocument/2006/relationships">
+<p:sld xmlns:a="http://schemas.openxmlformats.org/drawingml/2006/main" xmlns:r="http://schemas.openxmlformats.org/officeDocument/2006/relationships" xmlns:p="http://schemas.openxmlformats.org/presentationml/2006/main">
   <p:cSld>
     <p:spTree>
       <p:nvGrpSpPr>
@@ -8341,12 +8286,12 @@
       </p:grpSpPr>
       <p:sp>
         <p:nvSpPr>
-          <p:cNvPr name="Freeform 2" id="2"/>
+          <p:cNvPr id="2" name="Freeform 2"/>
           <p:cNvSpPr/>
           <p:nvPr/>
         </p:nvSpPr>
         <p:spPr>
-          <a:xfrm flipH="false" flipV="false" rot="0">
+          <a:xfrm>
             <a:off x="0" y="0"/>
             <a:ext cx="18288000" cy="10287000"/>
           </a:xfrm>
@@ -8355,9 +8300,9 @@
             <a:gdLst/>
             <a:ahLst/>
             <a:cxnLst/>
-            <a:rect r="r" b="b" t="t" l="l"/>
+            <a:rect l="l" t="t" r="r" b="b"/>
             <a:pathLst>
-              <a:path h="10287000" w="18288000">
+              <a:path w="18288000" h="10287000">
                 <a:moveTo>
                   <a:pt x="0" y="0"/>
                 </a:moveTo>
@@ -8387,12 +8332,12 @@
       </p:sp>
       <p:grpSp>
         <p:nvGrpSpPr>
-          <p:cNvPr name="Group 3" id="3"/>
+          <p:cNvPr id="3" name="Group 3"/>
           <p:cNvGrpSpPr/>
           <p:nvPr/>
         </p:nvGrpSpPr>
         <p:grpSpPr>
-          <a:xfrm rot="0">
+          <a:xfrm>
             <a:off x="1483218" y="2513622"/>
             <a:ext cx="15321565" cy="6508709"/>
             <a:chOff x="0" y="0"/>
@@ -8401,12 +8346,12 @@
         </p:grpSpPr>
         <p:sp>
           <p:nvSpPr>
-            <p:cNvPr name="Freeform 4" id="4"/>
+            <p:cNvPr id="4" name="Freeform 4"/>
             <p:cNvSpPr/>
             <p:nvPr/>
           </p:nvSpPr>
           <p:spPr>
-            <a:xfrm flipH="false" flipV="false" rot="0">
+            <a:xfrm>
               <a:off x="0" y="0"/>
               <a:ext cx="4035309" cy="1714228"/>
             </a:xfrm>
@@ -8415,9 +8360,9 @@
               <a:gdLst/>
               <a:ahLst/>
               <a:cxnLst/>
-              <a:rect r="r" b="b" t="t" l="l"/>
+              <a:rect l="l" t="t" r="r" b="b"/>
               <a:pathLst>
-                <a:path h="1714228" w="4035309">
+                <a:path w="4035309" h="1714228">
                   <a:moveTo>
                     <a:pt x="25770" y="0"/>
                   </a:moveTo>
@@ -8486,8 +8431,8 @@
         </p:sp>
         <p:sp>
           <p:nvSpPr>
-            <p:cNvPr name="TextBox 5" id="5"/>
-            <p:cNvSpPr txBox="true"/>
+            <p:cNvPr id="5" name="TextBox 5"/>
+            <p:cNvSpPr txBox="1"/>
             <p:nvPr/>
           </p:nvSpPr>
           <p:spPr>
@@ -8500,7 +8445,7 @@
             </a:prstGeom>
           </p:spPr>
           <p:txBody>
-            <a:bodyPr anchor="ctr" rtlCol="false" tIns="50800" lIns="50800" bIns="50800" rIns="50800"/>
+            <a:bodyPr lIns="50800" tIns="50800" rIns="50800" bIns="50800" rtlCol="0" anchor="ctr"/>
             <a:lstStyle/>
             <a:p>
               <a:pPr algn="ctr">
@@ -8511,18 +8456,19 @@
                   <a:spcPct val="0"/>
                 </a:spcBef>
               </a:pPr>
+              <a:endParaRPr/>
             </a:p>
           </p:txBody>
         </p:sp>
       </p:grpSp>
       <p:sp>
         <p:nvSpPr>
-          <p:cNvPr name="TextBox 6" id="6"/>
-          <p:cNvSpPr txBox="true"/>
+          <p:cNvPr id="6" name="TextBox 6"/>
+          <p:cNvSpPr txBox="1"/>
           <p:nvPr/>
         </p:nvSpPr>
         <p:spPr>
-          <a:xfrm rot="0">
+          <a:xfrm>
             <a:off x="1686883" y="2967013"/>
             <a:ext cx="14914234" cy="6291287"/>
           </a:xfrm>
@@ -8531,12 +8477,12 @@
           </a:prstGeom>
         </p:spPr>
         <p:txBody>
-          <a:bodyPr anchor="t" rtlCol="false" tIns="0" lIns="0" bIns="0" rIns="0">
+          <a:bodyPr lIns="0" tIns="0" rIns="0" bIns="0" rtlCol="0" anchor="t">
             <a:spAutoFit/>
           </a:bodyPr>
           <a:lstStyle/>
           <a:p>
-            <a:pPr algn="just" marL="971550" indent="-485775" lvl="1">
+            <a:pPr marL="971550" lvl="1" indent="-485775" algn="just">
               <a:lnSpc>
                 <a:spcPts val="6299"/>
               </a:lnSpc>
@@ -8554,7 +8500,7 @@
             </a:r>
           </a:p>
           <a:p>
-            <a:pPr algn="l" marL="971550" indent="-485775" lvl="1">
+            <a:pPr marL="971550" lvl="1" indent="-485775" algn="l">
               <a:lnSpc>
                 <a:spcPts val="6299"/>
               </a:lnSpc>
@@ -8572,7 +8518,7 @@
             </a:r>
           </a:p>
           <a:p>
-            <a:pPr algn="l" marL="971550" indent="-485775" lvl="1">
+            <a:pPr marL="971550" lvl="1" indent="-485775" algn="l">
               <a:lnSpc>
                 <a:spcPts val="6299"/>
               </a:lnSpc>
@@ -8595,17 +8541,23 @@
                 <a:spcPts val="5772"/>
               </a:lnSpc>
             </a:pPr>
-          </a:p>
-        </p:txBody>
-      </p:sp>
-      <p:sp>
-        <p:nvSpPr>
-          <p:cNvPr name="TextBox 7" id="7"/>
-          <p:cNvSpPr txBox="true"/>
+            <a:endParaRPr lang="en-US" sz="4500">
+              <a:solidFill>
+                <a:srgbClr val="000000"/>
+              </a:solidFill>
+              <a:latin typeface="Noto Sans"/>
+            </a:endParaRPr>
+          </a:p>
+        </p:txBody>
+      </p:sp>
+      <p:sp>
+        <p:nvSpPr>
+          <p:cNvPr id="7" name="TextBox 7"/>
+          <p:cNvSpPr txBox="1"/>
           <p:nvPr/>
         </p:nvSpPr>
         <p:spPr>
-          <a:xfrm rot="0">
+          <a:xfrm>
             <a:off x="2184843" y="895350"/>
             <a:ext cx="14125105" cy="1193800"/>
           </a:xfrm>
@@ -8614,7 +8566,7 @@
           </a:prstGeom>
         </p:spPr>
         <p:txBody>
-          <a:bodyPr anchor="t" rtlCol="false" tIns="0" lIns="0" bIns="0" rIns="0">
+          <a:bodyPr lIns="0" tIns="0" rIns="0" bIns="0" rtlCol="0" anchor="t">
             <a:spAutoFit/>
           </a:bodyPr>
           <a:lstStyle/>
